--- a/Clase 2 - EPH e Intro a Tidyverse/Presentación EPH.pptx
+++ b/Clase 2 - EPH e Intro a Tidyverse/Presentación EPH.pptx
@@ -5,7 +5,7 @@
     <p:sldMasterId id="2147483696" r:id="rId4"/>
   </p:sldMasterIdLst>
   <p:notesMasterIdLst>
-    <p:notesMasterId r:id="rId25"/>
+    <p:notesMasterId r:id="rId24"/>
   </p:notesMasterIdLst>
   <p:sldIdLst>
     <p:sldId id="459" r:id="rId5"/>
@@ -13,21 +13,20 @@
     <p:sldId id="334" r:id="rId7"/>
     <p:sldId id="374" r:id="rId8"/>
     <p:sldId id="326" r:id="rId9"/>
-    <p:sldId id="260" r:id="rId10"/>
-    <p:sldId id="335" r:id="rId11"/>
-    <p:sldId id="462" r:id="rId12"/>
-    <p:sldId id="333" r:id="rId13"/>
-    <p:sldId id="325" r:id="rId14"/>
-    <p:sldId id="329" r:id="rId15"/>
-    <p:sldId id="345" r:id="rId16"/>
-    <p:sldId id="461" r:id="rId17"/>
-    <p:sldId id="280" r:id="rId18"/>
-    <p:sldId id="282" r:id="rId19"/>
+    <p:sldId id="335" r:id="rId10"/>
+    <p:sldId id="462" r:id="rId11"/>
+    <p:sldId id="333" r:id="rId12"/>
+    <p:sldId id="325" r:id="rId13"/>
+    <p:sldId id="366" r:id="rId14"/>
+    <p:sldId id="463" r:id="rId15"/>
+    <p:sldId id="329" r:id="rId16"/>
+    <p:sldId id="345" r:id="rId17"/>
+    <p:sldId id="461" r:id="rId18"/>
+    <p:sldId id="280" r:id="rId19"/>
     <p:sldId id="346" r:id="rId20"/>
     <p:sldId id="353" r:id="rId21"/>
     <p:sldId id="281" r:id="rId22"/>
     <p:sldId id="371" r:id="rId23"/>
-    <p:sldId id="366" r:id="rId24"/>
   </p:sldIdLst>
   <p:sldSz cx="12192000" cy="6858000"/>
   <p:notesSz cx="6858000" cy="9144000"/>
@@ -216,7 +215,7 @@
           <a:p>
             <a:fld id="{30269C05-07A3-4C0B-B452-D73BEED39343}" type="datetimeFigureOut">
               <a:rPr lang="es-ES" smtClean="0"/>
-              <a:t>18/10/2024</a:t>
+              <a:t>05/11/2024</a:t>
             </a:fld>
             <a:endParaRPr lang="es-ES"/>
           </a:p>
@@ -709,7 +708,7 @@
           <a:p>
             <a:fld id="{1B3EF8C8-B97B-4B8B-89DD-60B674DEC85F}" type="datetime4">
               <a:rPr lang="es-ES" smtClean="0"/>
-              <a:t>18 de octubre de 2024</a:t>
+              <a:t>5 de noviembre de 2024</a:t>
             </a:fld>
             <a:endParaRPr lang="en-US"/>
           </a:p>
@@ -918,7 +917,7 @@
           <a:p>
             <a:fld id="{1B3EF8C8-B97B-4B8B-89DD-60B674DEC85F}" type="datetime4">
               <a:rPr lang="es-ES" smtClean="0"/>
-              <a:t>18 de octubre de 2024</a:t>
+              <a:t>5 de noviembre de 2024</a:t>
             </a:fld>
             <a:endParaRPr lang="en-US"/>
           </a:p>
@@ -1175,7 +1174,7 @@
           <a:p>
             <a:fld id="{1B3EF8C8-B97B-4B8B-89DD-60B674DEC85F}" type="datetime4">
               <a:rPr lang="es-ES" smtClean="0"/>
-              <a:t>18 de octubre de 2024</a:t>
+              <a:t>5 de noviembre de 2024</a:t>
             </a:fld>
             <a:endParaRPr lang="en-US"/>
           </a:p>
@@ -1350,7 +1349,7 @@
           <a:p>
             <a:fld id="{1B3EF8C8-B97B-4B8B-89DD-60B674DEC85F}" type="datetime4">
               <a:rPr lang="es-ES" smtClean="0"/>
-              <a:t>18 de octubre de 2024</a:t>
+              <a:t>5 de noviembre de 2024</a:t>
             </a:fld>
             <a:endParaRPr lang="en-US"/>
           </a:p>
@@ -1694,7 +1693,7 @@
           <a:p>
             <a:fld id="{1B3EF8C8-B97B-4B8B-89DD-60B674DEC85F}" type="datetime4">
               <a:rPr lang="es-ES" smtClean="0"/>
-              <a:t>18 de octubre de 2024</a:t>
+              <a:t>5 de noviembre de 2024</a:t>
             </a:fld>
             <a:endParaRPr lang="en-US"/>
           </a:p>
@@ -1970,7 +1969,7 @@
           <a:p>
             <a:fld id="{1B3EF8C8-B97B-4B8B-89DD-60B674DEC85F}" type="datetime4">
               <a:rPr lang="es-ES" smtClean="0"/>
-              <a:t>18 de octubre de 2024</a:t>
+              <a:t>5 de noviembre de 2024</a:t>
             </a:fld>
             <a:endParaRPr lang="en-US"/>
           </a:p>
@@ -2350,7 +2349,7 @@
           <a:p>
             <a:fld id="{1B3EF8C8-B97B-4B8B-89DD-60B674DEC85F}" type="datetime4">
               <a:rPr lang="es-ES" smtClean="0"/>
-              <a:t>18 de octubre de 2024</a:t>
+              <a:t>5 de noviembre de 2024</a:t>
             </a:fld>
             <a:endParaRPr lang="en-US"/>
           </a:p>
@@ -2469,7 +2468,7 @@
           <a:p>
             <a:fld id="{1B3EF8C8-B97B-4B8B-89DD-60B674DEC85F}" type="datetime4">
               <a:rPr lang="es-ES" smtClean="0"/>
-              <a:t>18 de octubre de 2024</a:t>
+              <a:t>5 de noviembre de 2024</a:t>
             </a:fld>
             <a:endParaRPr lang="en-US"/>
           </a:p>
@@ -2641,7 +2640,7 @@
           <a:p>
             <a:fld id="{1B3EF8C8-B97B-4B8B-89DD-60B674DEC85F}" type="datetime4">
               <a:rPr lang="es-ES" smtClean="0"/>
-              <a:t>18 de octubre de 2024</a:t>
+              <a:t>5 de noviembre de 2024</a:t>
             </a:fld>
             <a:endParaRPr lang="en-US"/>
           </a:p>
@@ -2996,7 +2995,7 @@
           <a:p>
             <a:fld id="{1B3EF8C8-B97B-4B8B-89DD-60B674DEC85F}" type="datetime4">
               <a:rPr lang="es-ES" smtClean="0"/>
-              <a:t>18 de octubre de 2024</a:t>
+              <a:t>5 de noviembre de 2024</a:t>
             </a:fld>
             <a:endParaRPr lang="en-US"/>
           </a:p>
@@ -3379,7 +3378,7 @@
           <a:p>
             <a:fld id="{1B3EF8C8-B97B-4B8B-89DD-60B674DEC85F}" type="datetime4">
               <a:rPr lang="es-ES" smtClean="0"/>
-              <a:t>18 de octubre de 2024</a:t>
+              <a:t>5 de noviembre de 2024</a:t>
             </a:fld>
             <a:endParaRPr lang="en-US"/>
           </a:p>
@@ -3667,7 +3666,7 @@
           <a:p>
             <a:fld id="{1B3EF8C8-B97B-4B8B-89DD-60B674DEC85F}" type="datetime4">
               <a:rPr lang="es-ES" smtClean="0"/>
-              <a:t>18 de octubre de 2024</a:t>
+              <a:t>5 de noviembre de 2024</a:t>
             </a:fld>
             <a:endParaRPr lang="en-US"/>
           </a:p>
@@ -4339,7 +4338,7 @@
           <p:cNvPr id="2" name="Título 1">
             <a:extLst>
               <a:ext uri="{FF2B5EF4-FFF2-40B4-BE49-F238E27FC236}">
-                <a16:creationId xmlns:a16="http://schemas.microsoft.com/office/drawing/2014/main" id="{5BB475E6-24D4-CEE3-4E8D-613097D580A4}"/>
+                <a16:creationId xmlns:a16="http://schemas.microsoft.com/office/drawing/2014/main" id="{0B86E8F2-DE81-95DE-D463-986C85D95B1D}"/>
               </a:ext>
             </a:extLst>
           </p:cNvPr>
@@ -4357,14 +4356,7 @@
           <a:p>
             <a:r>
               <a:rPr lang="es-ES" dirty="0"/>
-              <a:t>Dimensiones sobre </a:t>
-            </a:r>
-            <a:br>
-              <a:rPr lang="es-ES" dirty="0"/>
-            </a:br>
-            <a:r>
-              <a:rPr lang="es-ES" dirty="0"/>
-              <a:t>la Inserción en la producción social	</a:t>
+              <a:t>Otras dimensiones de la ocupación	</a:t>
             </a:r>
             <a:endParaRPr lang="es-AR" dirty="0"/>
           </a:p>
@@ -4375,7 +4367,7 @@
           <p:cNvPr id="3" name="Marcador de contenido 2">
             <a:extLst>
               <a:ext uri="{FF2B5EF4-FFF2-40B4-BE49-F238E27FC236}">
-                <a16:creationId xmlns:a16="http://schemas.microsoft.com/office/drawing/2014/main" id="{D92D1D91-DD80-A4E1-6D32-E3132BE89413}"/>
+                <a16:creationId xmlns:a16="http://schemas.microsoft.com/office/drawing/2014/main" id="{36F43973-44C3-2E3F-9A30-D7AC5A6E4882}"/>
               </a:ext>
             </a:extLst>
           </p:cNvPr>
@@ -4388,43 +4380,76 @@
         </p:nvSpPr>
         <p:spPr/>
         <p:txBody>
-          <a:bodyPr/>
+          <a:bodyPr>
+            <a:normAutofit/>
+          </a:bodyPr>
           <a:lstStyle/>
           <a:p>
-            <a:r>
-              <a:rPr lang="es-ES" dirty="0"/>
-              <a:t>La forma de evaluar la Participación en el proceso de producción social -&gt; </a:t>
-            </a:r>
-            <a:r>
-              <a:rPr lang="es-ES" b="1" dirty="0"/>
-              <a:t>Condición de Actividad</a:t>
-            </a:r>
-          </a:p>
-          <a:p>
-            <a:r>
-              <a:rPr lang="es-ES" dirty="0"/>
-              <a:t>La forma de evaluar cuáles son las relaciones sociales de producción que establece –&gt;  </a:t>
-            </a:r>
-            <a:r>
-              <a:rPr lang="es-ES" b="1" dirty="0"/>
-              <a:t>Categoría Ocupacional</a:t>
-            </a:r>
-          </a:p>
-          <a:p>
-            <a:r>
-              <a:rPr lang="es-ES" dirty="0"/>
-              <a:t>Las dimensiones sobre el lugar en la División del trabajo (social y técnica) -&gt; </a:t>
-            </a:r>
-            <a:r>
-              <a:rPr lang="es-ES" b="1" dirty="0"/>
-              <a:t>Rama, Ocupación, etc</a:t>
-            </a:r>
-            <a:r>
-              <a:rPr lang="es-ES" dirty="0"/>
-              <a:t>.</a:t>
-            </a:r>
-          </a:p>
-          <a:p>
+            <a:endParaRPr lang="es-AR" dirty="0"/>
+          </a:p>
+          <a:p>
+            <a:r>
+              <a:rPr lang="es-AR" b="1" dirty="0"/>
+              <a:t>Tipo de establecimiento </a:t>
+            </a:r>
+            <a:r>
+              <a:rPr lang="es-AR" dirty="0"/>
+              <a:t>(público o privado)</a:t>
+            </a:r>
+          </a:p>
+          <a:p>
+            <a:r>
+              <a:rPr lang="es-AR" b="1" dirty="0"/>
+              <a:t>Tamaño del establecimiento</a:t>
+            </a:r>
+          </a:p>
+          <a:p>
+            <a:pPr algn="just"/>
+            <a:r>
+              <a:rPr lang="es-AR" b="1" dirty="0"/>
+              <a:t>Condición de registro </a:t>
+            </a:r>
+            <a:r>
+              <a:rPr lang="es-AR" dirty="0"/>
+              <a:t>(realización de descuentos jubilatorios para asalariados)</a:t>
+            </a:r>
+          </a:p>
+          <a:p>
+            <a:r>
+              <a:rPr lang="es-AR" b="1" dirty="0"/>
+              <a:t>Duración del empleo </a:t>
+            </a:r>
+            <a:r>
+              <a:rPr lang="es-AR" dirty="0"/>
+              <a:t>(¿tiene tiempo de finalización predeterminado?)</a:t>
+            </a:r>
+          </a:p>
+          <a:p>
+            <a:r>
+              <a:rPr lang="es-AR" b="1" dirty="0"/>
+              <a:t>Antigüedad</a:t>
+            </a:r>
+          </a:p>
+          <a:p>
+            <a:r>
+              <a:rPr lang="es-AR" b="1" dirty="0"/>
+              <a:t>Ingresos percibidos en la ocupación </a:t>
+            </a:r>
+            <a:r>
+              <a:rPr lang="es-AR" dirty="0"/>
+              <a:t>(distintas desagregaciones)</a:t>
+            </a:r>
+          </a:p>
+          <a:p>
+            <a:r>
+              <a:rPr lang="es-AR" b="1" dirty="0"/>
+              <a:t>¿Segundas ocupaciones?</a:t>
+            </a:r>
+          </a:p>
+          <a:p>
+            <a:pPr marL="0" indent="0">
+              <a:buNone/>
+            </a:pPr>
             <a:endParaRPr lang="es-AR" dirty="0"/>
           </a:p>
         </p:txBody>
@@ -4432,7 +4457,7 @@
     </p:spTree>
     <p:extLst>
       <p:ext uri="{BB962C8B-B14F-4D97-AF65-F5344CB8AC3E}">
-        <p14:creationId xmlns:p14="http://schemas.microsoft.com/office/powerpoint/2010/main" val="2941479760"/>
+        <p14:creationId xmlns:p14="http://schemas.microsoft.com/office/powerpoint/2010/main" val="425174626"/>
       </p:ext>
     </p:extLst>
   </p:cSld>
@@ -4443,6 +4468,127 @@
 </file>
 
 <file path=ppt/slides/slide11.xml><?xml version="1.0" encoding="utf-8"?>
+<p:sld xmlns:a="http://schemas.openxmlformats.org/drawingml/2006/main" xmlns:r="http://schemas.openxmlformats.org/officeDocument/2006/relationships" xmlns:p="http://schemas.openxmlformats.org/presentationml/2006/main">
+  <p:cSld>
+    <p:spTree>
+      <p:nvGrpSpPr>
+        <p:cNvPr id="1" name="">
+          <a:extLst>
+            <a:ext uri="{FF2B5EF4-FFF2-40B4-BE49-F238E27FC236}">
+              <a16:creationId xmlns:a16="http://schemas.microsoft.com/office/drawing/2014/main" id="{C3AE301F-93BB-3148-8529-B7F591DFF0D4}"/>
+            </a:ext>
+          </a:extLst>
+        </p:cNvPr>
+        <p:cNvGrpSpPr/>
+        <p:nvPr/>
+      </p:nvGrpSpPr>
+      <p:grpSpPr>
+        <a:xfrm>
+          <a:off x="0" y="0"/>
+          <a:ext cx="0" cy="0"/>
+          <a:chOff x="0" y="0"/>
+          <a:chExt cx="0" cy="0"/>
+        </a:xfrm>
+      </p:grpSpPr>
+      <p:sp>
+        <p:nvSpPr>
+          <p:cNvPr id="2" name="Título 1">
+            <a:extLst>
+              <a:ext uri="{FF2B5EF4-FFF2-40B4-BE49-F238E27FC236}">
+                <a16:creationId xmlns:a16="http://schemas.microsoft.com/office/drawing/2014/main" id="{C4C038C9-ACAF-B96A-2068-A1BAC3606FB0}"/>
+              </a:ext>
+            </a:extLst>
+          </p:cNvPr>
+          <p:cNvSpPr>
+            <a:spLocks noGrp="1"/>
+          </p:cNvSpPr>
+          <p:nvPr>
+            <p:ph type="ctrTitle"/>
+          </p:nvPr>
+        </p:nvSpPr>
+        <p:spPr/>
+        <p:txBody>
+          <a:bodyPr>
+            <a:normAutofit/>
+          </a:bodyPr>
+          <a:lstStyle/>
+          <a:p>
+            <a:pPr algn="ctr">
+              <a:lnSpc>
+                <a:spcPct val="150000"/>
+              </a:lnSpc>
+            </a:pPr>
+            <a:r>
+              <a:rPr lang="es-MX" sz="2800" b="1" dirty="0">
+                <a:effectLst/>
+                <a:latin typeface="Garamond" panose="02020404030301010803" pitchFamily="18" charset="0"/>
+                <a:ea typeface="Times New Roman" panose="02020603050405020304" pitchFamily="18" charset="0"/>
+                <a:cs typeface="Arial" panose="020B0604020202020204" pitchFamily="34" charset="0"/>
+              </a:rPr>
+              <a:t>Anexo (información complementaria)</a:t>
+            </a:r>
+            <a:endParaRPr lang="es-AR" sz="2800" dirty="0">
+              <a:effectLst/>
+              <a:latin typeface="Times New Roman" panose="02020603050405020304" pitchFamily="18" charset="0"/>
+              <a:ea typeface="Times New Roman" panose="02020603050405020304" pitchFamily="18" charset="0"/>
+            </a:endParaRPr>
+          </a:p>
+        </p:txBody>
+      </p:sp>
+      <p:sp>
+        <p:nvSpPr>
+          <p:cNvPr id="3" name="Subtítulo 2">
+            <a:extLst>
+              <a:ext uri="{FF2B5EF4-FFF2-40B4-BE49-F238E27FC236}">
+                <a16:creationId xmlns:a16="http://schemas.microsoft.com/office/drawing/2014/main" id="{61CD10BF-7D00-3B71-3D99-770206C16EDD}"/>
+              </a:ext>
+            </a:extLst>
+          </p:cNvPr>
+          <p:cNvSpPr>
+            <a:spLocks noGrp="1"/>
+          </p:cNvSpPr>
+          <p:nvPr>
+            <p:ph type="subTitle" idx="1"/>
+          </p:nvPr>
+        </p:nvSpPr>
+        <p:spPr/>
+        <p:txBody>
+          <a:bodyPr/>
+          <a:lstStyle/>
+          <a:p>
+            <a:r>
+              <a:rPr lang="en-US" dirty="0" err="1"/>
+              <a:t>Clase</a:t>
+            </a:r>
+            <a:r>
+              <a:rPr lang="en-US" dirty="0"/>
+              <a:t> 2 – </a:t>
+            </a:r>
+            <a:r>
+              <a:rPr lang="en-US" dirty="0" err="1"/>
+              <a:t>Presentación</a:t>
+            </a:r>
+            <a:r>
+              <a:rPr lang="en-US" dirty="0"/>
+              <a:t> de la EPH</a:t>
+            </a:r>
+          </a:p>
+        </p:txBody>
+      </p:sp>
+    </p:spTree>
+    <p:extLst>
+      <p:ext uri="{BB962C8B-B14F-4D97-AF65-F5344CB8AC3E}">
+        <p14:creationId xmlns:p14="http://schemas.microsoft.com/office/powerpoint/2010/main" val="3963701352"/>
+      </p:ext>
+    </p:extLst>
+  </p:cSld>
+  <p:clrMapOvr>
+    <a:masterClrMapping/>
+  </p:clrMapOvr>
+</p:sld>
+</file>
+
+<file path=ppt/slides/slide12.xml><?xml version="1.0" encoding="utf-8"?>
 <p:sld xmlns:a="http://schemas.openxmlformats.org/drawingml/2006/main" xmlns:r="http://schemas.openxmlformats.org/officeDocument/2006/relationships" xmlns:p="http://schemas.openxmlformats.org/presentationml/2006/main">
   <p:cSld>
     <p:spTree>
@@ -5188,7 +5334,7 @@
 </p:sld>
 </file>
 
-<file path=ppt/slides/slide12.xml><?xml version="1.0" encoding="utf-8"?>
+<file path=ppt/slides/slide13.xml><?xml version="1.0" encoding="utf-8"?>
 <p:sld xmlns:a="http://schemas.openxmlformats.org/drawingml/2006/main" xmlns:r="http://schemas.openxmlformats.org/officeDocument/2006/relationships" xmlns:p="http://schemas.openxmlformats.org/presentationml/2006/main">
   <p:cSld>
     <p:spTree>
@@ -5559,7 +5705,7 @@
 </p:sld>
 </file>
 
-<file path=ppt/slides/slide13.xml><?xml version="1.0" encoding="utf-8"?>
+<file path=ppt/slides/slide14.xml><?xml version="1.0" encoding="utf-8"?>
 <p:sld xmlns:a="http://schemas.openxmlformats.org/drawingml/2006/main" xmlns:r="http://schemas.openxmlformats.org/officeDocument/2006/relationships" xmlns:p="http://schemas.openxmlformats.org/presentationml/2006/main">
   <p:cSld>
     <p:spTree>
@@ -7008,7 +7154,7 @@
 </p:sld>
 </file>
 
-<file path=ppt/slides/slide14.xml><?xml version="1.0" encoding="utf-8"?>
+<file path=ppt/slides/slide15.xml><?xml version="1.0" encoding="utf-8"?>
 <p:sld xmlns:a="http://schemas.openxmlformats.org/drawingml/2006/main" xmlns:r="http://schemas.openxmlformats.org/officeDocument/2006/relationships" xmlns:p="http://schemas.openxmlformats.org/presentationml/2006/main">
   <p:cSld>
     <p:spTree>
@@ -7070,68 +7216,6 @@
 </p:sld>
 </file>
 
-<file path=ppt/slides/slide15.xml><?xml version="1.0" encoding="utf-8"?>
-<p:sld xmlns:a="http://schemas.openxmlformats.org/drawingml/2006/main" xmlns:r="http://schemas.openxmlformats.org/officeDocument/2006/relationships" xmlns:p="http://schemas.openxmlformats.org/presentationml/2006/main">
-  <p:cSld>
-    <p:spTree>
-      <p:nvGrpSpPr>
-        <p:cNvPr id="1" name=""/>
-        <p:cNvGrpSpPr/>
-        <p:nvPr/>
-      </p:nvGrpSpPr>
-      <p:grpSpPr>
-        <a:xfrm>
-          <a:off x="0" y="0"/>
-          <a:ext cx="0" cy="0"/>
-          <a:chOff x="0" y="0"/>
-          <a:chExt cx="0" cy="0"/>
-        </a:xfrm>
-      </p:grpSpPr>
-      <p:pic>
-        <p:nvPicPr>
-          <p:cNvPr id="5" name="Marcador de contenido 4">
-            <a:extLst>
-              <a:ext uri="{FF2B5EF4-FFF2-40B4-BE49-F238E27FC236}">
-                <a16:creationId xmlns:a16="http://schemas.microsoft.com/office/drawing/2014/main" id="{1F740DFD-0B7B-FE84-DEB9-3E6758C9C591}"/>
-              </a:ext>
-            </a:extLst>
-          </p:cNvPr>
-          <p:cNvPicPr>
-            <a:picLocks noGrp="1" noChangeAspect="1"/>
-          </p:cNvPicPr>
-          <p:nvPr>
-            <p:ph idx="1"/>
-          </p:nvPr>
-        </p:nvPicPr>
-        <p:blipFill>
-          <a:blip r:embed="rId2"/>
-          <a:stretch>
-            <a:fillRect/>
-          </a:stretch>
-        </p:blipFill>
-        <p:spPr>
-          <a:xfrm>
-            <a:off x="1178381" y="522524"/>
-            <a:ext cx="9835237" cy="4917619"/>
-          </a:xfrm>
-          <a:prstGeom prst="rect">
-            <a:avLst/>
-          </a:prstGeom>
-        </p:spPr>
-      </p:pic>
-    </p:spTree>
-    <p:extLst>
-      <p:ext uri="{BB962C8B-B14F-4D97-AF65-F5344CB8AC3E}">
-        <p14:creationId xmlns:p14="http://schemas.microsoft.com/office/powerpoint/2010/main" val="470624314"/>
-      </p:ext>
-    </p:extLst>
-  </p:cSld>
-  <p:clrMapOvr>
-    <a:masterClrMapping/>
-  </p:clrMapOvr>
-</p:sld>
-</file>
-
 <file path=ppt/slides/slide16.xml><?xml version="1.0" encoding="utf-8"?>
 <p:sld xmlns:a="http://schemas.openxmlformats.org/drawingml/2006/main" xmlns:r="http://schemas.openxmlformats.org/officeDocument/2006/relationships" xmlns:p="http://schemas.openxmlformats.org/presentationml/2006/main">
   <p:cSld>
@@ -7194,7 +7278,7 @@
             </p:nvSpPr>
             <p:spPr bwMode="auto">
               <a:xfrm>
-                <a:off x="480350" y="1844484"/>
+                <a:off x="1097280" y="1951608"/>
                 <a:ext cx="3816350" cy="719138"/>
               </a:xfrm>
               <a:prstGeom prst="rect">
@@ -7208,7 +7292,7 @@
               </a:bodyPr>
               <a:lstStyle/>
               <a:p>
-                <a:pPr/>
+                <a:pPr algn="ctr"/>
                 <a14:m>
                   <m:oMathPara xmlns:m="http://schemas.openxmlformats.org/officeDocument/2006/math">
                     <m:oMathParaPr>
@@ -7258,7 +7342,7 @@
                           </a:solidFill>
                           <a:latin typeface="Cambria Math" panose="02040503050406030204" pitchFamily="18" charset="0"/>
                         </a:rPr>
-                        <m:t>𝑎𝑐𝑡</m:t>
+                        <m:t>𝑎𝑐𝑡𝑖𝑣𝑖𝑑</m:t>
                       </m:r>
                       <m:r>
                         <a:rPr lang="es-AR" i="1">
@@ -7267,7 +7351,7 @@
                           </a:solidFill>
                           <a:latin typeface="Cambria Math" panose="02040503050406030204" pitchFamily="18" charset="0"/>
                         </a:rPr>
-                        <m:t>𝑖𝑣𝑖𝑑𝑎𝑑</m:t>
+                        <m:t>𝑎𝑑</m:t>
                       </m:r>
                       <m:r>
                         <a:rPr lang="es-AR" i="1">
@@ -7355,7 +7439,7 @@
             </p:nvSpPr>
             <p:spPr bwMode="auto">
               <a:xfrm>
-                <a:off x="480350" y="1844484"/>
+                <a:off x="1097280" y="1951608"/>
                 <a:ext cx="3816350" cy="719138"/>
               </a:xfrm>
               <a:prstGeom prst="rect">
@@ -7399,7 +7483,7 @@
             </p:nvSpPr>
             <p:spPr bwMode="auto">
               <a:xfrm>
-                <a:off x="480350" y="2670746"/>
+                <a:off x="1097280" y="2777870"/>
                 <a:ext cx="3600450" cy="719138"/>
               </a:xfrm>
               <a:prstGeom prst="rect">
@@ -7413,7 +7497,7 @@
               </a:bodyPr>
               <a:lstStyle/>
               <a:p>
-                <a:pPr/>
+                <a:pPr algn="ctr"/>
                 <a14:m>
                   <m:oMathPara xmlns:m="http://schemas.openxmlformats.org/officeDocument/2006/math">
                     <m:oMathParaPr>
@@ -7551,7 +7635,7 @@
             </p:nvSpPr>
             <p:spPr bwMode="auto">
               <a:xfrm>
-                <a:off x="480350" y="2670746"/>
+                <a:off x="1097280" y="2777870"/>
                 <a:ext cx="3600450" cy="719138"/>
               </a:xfrm>
               <a:prstGeom prst="rect">
@@ -7595,7 +7679,7 @@
             </p:nvSpPr>
             <p:spPr bwMode="auto">
               <a:xfrm>
-                <a:off x="480350" y="4294378"/>
+                <a:off x="1097280" y="4401502"/>
                 <a:ext cx="5438775" cy="720725"/>
               </a:xfrm>
               <a:prstGeom prst="rect">
@@ -7609,7 +7693,7 @@
               </a:bodyPr>
               <a:lstStyle/>
               <a:p>
-                <a:pPr/>
+                <a:pPr algn="ctr"/>
                 <a14:m>
                   <m:oMathPara xmlns:m="http://schemas.openxmlformats.org/officeDocument/2006/math">
                     <m:oMathParaPr>
@@ -7765,7 +7849,7 @@
             </p:nvSpPr>
             <p:spPr bwMode="auto">
               <a:xfrm>
-                <a:off x="480350" y="4294378"/>
+                <a:off x="1097280" y="4401502"/>
                 <a:ext cx="5438775" cy="720725"/>
               </a:xfrm>
               <a:prstGeom prst="rect">
@@ -7809,7 +7893,7 @@
             </p:nvSpPr>
             <p:spPr bwMode="auto">
               <a:xfrm>
-                <a:off x="480350" y="4995573"/>
+                <a:off x="1097280" y="5102697"/>
                 <a:ext cx="4635500" cy="720725"/>
               </a:xfrm>
               <a:prstGeom prst="rect">
@@ -7823,7 +7907,7 @@
               </a:bodyPr>
               <a:lstStyle/>
               <a:p>
-                <a:pPr/>
+                <a:pPr algn="ctr"/>
                 <a14:m>
                   <m:oMathPara xmlns:m="http://schemas.openxmlformats.org/officeDocument/2006/math">
                     <m:oMathParaPr>
@@ -7961,7 +8045,7 @@
             </p:nvSpPr>
             <p:spPr bwMode="auto">
               <a:xfrm>
-                <a:off x="480350" y="4995573"/>
+                <a:off x="1097280" y="5102697"/>
                 <a:ext cx="4635500" cy="720725"/>
               </a:xfrm>
               <a:prstGeom prst="rect">
@@ -8005,7 +8089,7 @@
             </p:nvSpPr>
             <p:spPr bwMode="auto">
               <a:xfrm>
-                <a:off x="480350" y="3454442"/>
+                <a:off x="1097280" y="3561566"/>
                 <a:ext cx="6177209" cy="817506"/>
               </a:xfrm>
               <a:prstGeom prst="rect">
@@ -8113,7 +8197,7 @@
                 </a:lvl9pPr>
               </a:lstStyle>
               <a:p>
-                <a:pPr/>
+                <a:pPr algn="ctr"/>
                 <a14:m>
                   <m:oMathPara xmlns:m="http://schemas.openxmlformats.org/officeDocument/2006/math">
                     <m:oMathParaPr>
@@ -8287,7 +8371,7 @@
             </p:nvSpPr>
             <p:spPr bwMode="auto">
               <a:xfrm>
-                <a:off x="480350" y="3454442"/>
+                <a:off x="1097280" y="3561566"/>
                 <a:ext cx="6177209" cy="817506"/>
               </a:xfrm>
               <a:prstGeom prst="rect">
@@ -8361,21 +8445,20 @@
             <p:ph type="title"/>
           </p:nvPr>
         </p:nvSpPr>
-        <p:spPr/>
+        <p:spPr>
+          <a:xfrm>
+            <a:off x="1" y="286603"/>
+            <a:ext cx="12191999" cy="1450757"/>
+          </a:xfrm>
+        </p:spPr>
         <p:txBody>
           <a:bodyPr/>
           <a:lstStyle/>
           <a:p>
+            <a:pPr algn="ctr"/>
             <a:r>
               <a:rPr lang="es-ES" dirty="0"/>
-              <a:t>Tasas básicas del Mercado de Trabajo</a:t>
-            </a:r>
-            <a:br>
-              <a:rPr lang="es-ES" dirty="0"/>
-            </a:br>
-            <a:r>
-              <a:rPr lang="es-ES" dirty="0"/>
-              <a:t>(II)</a:t>
+              <a:t>Tasas básicas del Mercado de Trabajo (II)</a:t>
             </a:r>
             <a:endParaRPr lang="es-AR" dirty="0"/>
           </a:p>
@@ -8395,7 +8478,7 @@
         </p:nvSpPr>
         <p:spPr>
           <a:xfrm>
-            <a:off x="630002" y="1687060"/>
+            <a:off x="2513393" y="2351178"/>
             <a:ext cx="2016224" cy="864096"/>
           </a:xfrm>
           <a:prstGeom prst="roundRect">
@@ -8469,7 +8552,7 @@
         </p:nvSpPr>
         <p:spPr>
           <a:xfrm>
-            <a:off x="2718234" y="1687060"/>
+            <a:off x="4601625" y="2351178"/>
             <a:ext cx="936104" cy="864096"/>
           </a:xfrm>
           <a:prstGeom prst="roundRect">
@@ -8529,7 +8612,7 @@
         </p:nvSpPr>
         <p:spPr>
           <a:xfrm>
-            <a:off x="3775441" y="1668998"/>
+            <a:off x="5658832" y="2333116"/>
             <a:ext cx="2016224" cy="864096"/>
           </a:xfrm>
           <a:prstGeom prst="roundRect">
@@ -8595,7 +8678,7 @@
         </p:nvCxnSpPr>
         <p:spPr>
           <a:xfrm rot="16200000" flipH="1">
-            <a:off x="4830164" y="2486483"/>
+            <a:off x="6713555" y="3150601"/>
             <a:ext cx="266819" cy="360040"/>
           </a:xfrm>
           <a:prstGeom prst="bentConnector2">
@@ -8634,7 +8717,7 @@
         </p:nvSpPr>
         <p:spPr>
           <a:xfrm>
-            <a:off x="5143593" y="2621124"/>
+            <a:off x="7026984" y="3285242"/>
             <a:ext cx="1656184" cy="357578"/>
           </a:xfrm>
           <a:prstGeom prst="roundRect">
@@ -8696,7 +8779,7 @@
         </p:nvSpPr>
         <p:spPr>
           <a:xfrm>
-            <a:off x="5152586" y="3042746"/>
+            <a:off x="7035977" y="3706864"/>
             <a:ext cx="1656184" cy="308931"/>
           </a:xfrm>
           <a:prstGeom prst="roundRect">
@@ -8758,7 +8841,7 @@
         </p:nvSpPr>
         <p:spPr>
           <a:xfrm>
-            <a:off x="5143593" y="3412932"/>
+            <a:off x="7026984" y="4077050"/>
             <a:ext cx="1656184" cy="308931"/>
           </a:xfrm>
           <a:prstGeom prst="roundRect">
@@ -8824,7 +8907,7 @@
         </p:nvCxnSpPr>
         <p:spPr>
           <a:xfrm rot="16200000" flipH="1">
-            <a:off x="4636010" y="2680636"/>
+            <a:off x="6519401" y="3344754"/>
             <a:ext cx="664118" cy="369033"/>
           </a:xfrm>
           <a:prstGeom prst="bentConnector2">
@@ -8867,7 +8950,7 @@
         </p:nvCxnSpPr>
         <p:spPr>
           <a:xfrm rot="16200000" flipH="1">
-            <a:off x="4446421" y="2870226"/>
+            <a:off x="6329812" y="3534344"/>
             <a:ext cx="1034304" cy="360040"/>
           </a:xfrm>
           <a:prstGeom prst="bentConnector2">
@@ -8965,7 +9048,7 @@
         </p:nvCxnSpPr>
         <p:spPr>
           <a:xfrm rot="16200000" flipH="1">
-            <a:off x="4769080" y="3581873"/>
+            <a:off x="6652471" y="4245991"/>
             <a:ext cx="379996" cy="351048"/>
           </a:xfrm>
           <a:prstGeom prst="bentConnector2">
@@ -9004,7 +9087,7 @@
         </p:nvSpPr>
         <p:spPr>
           <a:xfrm>
-            <a:off x="5184341" y="3847882"/>
+            <a:off x="7067732" y="4512000"/>
             <a:ext cx="1656184" cy="308931"/>
           </a:xfrm>
           <a:prstGeom prst="roundRect">
@@ -9069,7 +9152,7 @@
         </p:nvCxnSpPr>
         <p:spPr>
           <a:xfrm>
-            <a:off x="1638114" y="2551156"/>
+            <a:off x="3521505" y="3215274"/>
             <a:ext cx="0" cy="491590"/>
           </a:xfrm>
           <a:prstGeom prst="straightConnector1">
@@ -9108,7 +9191,7 @@
         </p:nvSpPr>
         <p:spPr>
           <a:xfrm>
-            <a:off x="630002" y="3083298"/>
+            <a:off x="2513393" y="3747416"/>
             <a:ext cx="2016224" cy="864096"/>
           </a:xfrm>
           <a:prstGeom prst="roundRect">
@@ -9348,7 +9431,7 @@
           <a:p>
             <a:r>
               <a:rPr lang="es-ES" dirty="0"/>
-              <a:t>Introducción</a:t>
+              <a:t>Índice de la presentación</a:t>
             </a:r>
             <a:endParaRPr lang="es-AR" dirty="0"/>
           </a:p>
@@ -9377,41 +9460,55 @@
           </a:bodyPr>
           <a:lstStyle/>
           <a:p>
-            <a:r>
-              <a:rPr lang="es-ES" u="sng" dirty="0"/>
-              <a:t>Fuentes de información laboral en Argentina</a:t>
-            </a:r>
+            <a:pPr marL="0" indent="0">
+              <a:buNone/>
+            </a:pPr>
+            <a:r>
+              <a:rPr lang="es-ES" b="1" dirty="0"/>
+              <a:t>Fuentes de información laboral en Argentina: </a:t>
+            </a:r>
+            <a:endParaRPr lang="es-ES" sz="1800" b="1" dirty="0"/>
+          </a:p>
+          <a:p>
+            <a:r>
+              <a:rPr lang="es-ES" sz="2000" dirty="0"/>
+              <a:t>Sistemas de registro, encuestas y censos.</a:t>
+            </a:r>
+          </a:p>
+          <a:p>
+            <a:pPr marL="0" indent="0">
+              <a:buNone/>
+            </a:pPr>
+            <a:r>
+              <a:rPr lang="es-ES" b="1" dirty="0"/>
+              <a:t>Encuesta Permanente de Hogares (EPH):</a:t>
+            </a:r>
+          </a:p>
+          <a:p>
+            <a:pPr marL="0" indent="0">
+              <a:buNone/>
+            </a:pPr>
             <a:r>
               <a:rPr lang="es-ES" dirty="0"/>
-              <a:t>: Sistemas de registro, encuestas y censos.</a:t>
-            </a:r>
-          </a:p>
-          <a:p>
-            <a:r>
-              <a:rPr lang="es-ES" u="sng" dirty="0"/>
-              <a:t>Encuesta Permanente de Hogares </a:t>
-            </a:r>
+              <a:t> Diseño de la encuesta </a:t>
+            </a:r>
+          </a:p>
+          <a:p>
+            <a:pPr marL="0" indent="0">
+              <a:buNone/>
+            </a:pPr>
             <a:r>
               <a:rPr lang="es-ES" dirty="0"/>
-              <a:t>(EPH).</a:t>
-            </a:r>
-          </a:p>
-          <a:p>
+              <a:t> Marco analítico</a:t>
+            </a:r>
+          </a:p>
+          <a:p>
+            <a:pPr marL="0" indent="0">
+              <a:buNone/>
+            </a:pPr>
             <a:r>
               <a:rPr lang="es-ES" dirty="0"/>
-              <a:t>(1) Diseño de la encuesta. </a:t>
-            </a:r>
-          </a:p>
-          <a:p>
-            <a:r>
-              <a:rPr lang="es-ES" dirty="0"/>
-              <a:t>(2) Marco analítico: ¿Qué es el trabajo? Relación con la frontera de producción del SCN. </a:t>
-            </a:r>
-          </a:p>
-          <a:p>
-            <a:r>
-              <a:rPr lang="es-ES" dirty="0"/>
-              <a:t>(3) Tasas básicas. </a:t>
+              <a:t> Dimensiones principales de la inserción ocupacional de las personas</a:t>
             </a:r>
           </a:p>
           <a:p>
@@ -9422,436 +9519,6 @@
           </a:p>
           <a:p>
             <a:endParaRPr lang="es-AR" dirty="0"/>
-          </a:p>
-        </p:txBody>
-      </p:sp>
-      <p:sp>
-        <p:nvSpPr>
-          <p:cNvPr id="4" name="Freeform 1526">
-            <a:extLst>
-              <a:ext uri="{FF2B5EF4-FFF2-40B4-BE49-F238E27FC236}">
-                <a16:creationId xmlns:a16="http://schemas.microsoft.com/office/drawing/2014/main" id="{E67151DB-5902-01E7-8638-0F04B5B2BF08}"/>
-              </a:ext>
-            </a:extLst>
-          </p:cNvPr>
-          <p:cNvSpPr>
-            <a:spLocks noEditPoints="1"/>
-          </p:cNvSpPr>
-          <p:nvPr/>
-        </p:nvSpPr>
-        <p:spPr bwMode="auto">
-          <a:xfrm>
-            <a:off x="859973" y="3666141"/>
-            <a:ext cx="301683" cy="308324"/>
-          </a:xfrm>
-          <a:custGeom>
-            <a:avLst/>
-            <a:gdLst>
-              <a:gd name="T0" fmla="*/ 160738 w 512"/>
-              <a:gd name="T1" fmla="*/ 177457 h 523"/>
-              <a:gd name="T2" fmla="*/ 179084 w 512"/>
-              <a:gd name="T3" fmla="*/ 184727 h 523"/>
-              <a:gd name="T4" fmla="*/ 179084 w 512"/>
-              <a:gd name="T5" fmla="*/ 203969 h 523"/>
-              <a:gd name="T6" fmla="*/ 160738 w 512"/>
-              <a:gd name="T7" fmla="*/ 197127 h 523"/>
-              <a:gd name="T8" fmla="*/ 160738 w 512"/>
-              <a:gd name="T9" fmla="*/ 177457 h 523"/>
-              <a:gd name="T10" fmla="*/ 207912 w 512"/>
-              <a:gd name="T11" fmla="*/ 77397 h 523"/>
-              <a:gd name="T12" fmla="*/ 182141 w 512"/>
-              <a:gd name="T13" fmla="*/ 33781 h 523"/>
-              <a:gd name="T14" fmla="*/ 141083 w 512"/>
-              <a:gd name="T15" fmla="*/ 60293 h 523"/>
-              <a:gd name="T16" fmla="*/ 164669 w 512"/>
-              <a:gd name="T17" fmla="*/ 84239 h 523"/>
-              <a:gd name="T18" fmla="*/ 122738 w 512"/>
-              <a:gd name="T19" fmla="*/ 114171 h 523"/>
-              <a:gd name="T20" fmla="*/ 94783 w 512"/>
-              <a:gd name="T21" fmla="*/ 91081 h 523"/>
-              <a:gd name="T22" fmla="*/ 98714 w 512"/>
-              <a:gd name="T23" fmla="*/ 43188 h 523"/>
-              <a:gd name="T24" fmla="*/ 39311 w 512"/>
-              <a:gd name="T25" fmla="*/ 855 h 523"/>
-              <a:gd name="T26" fmla="*/ 31449 w 512"/>
-              <a:gd name="T27" fmla="*/ 10690 h 523"/>
-              <a:gd name="T28" fmla="*/ 65082 w 512"/>
-              <a:gd name="T29" fmla="*/ 44471 h 523"/>
-              <a:gd name="T30" fmla="*/ 69449 w 512"/>
-              <a:gd name="T31" fmla="*/ 67562 h 523"/>
-              <a:gd name="T32" fmla="*/ 54162 w 512"/>
-              <a:gd name="T33" fmla="*/ 80818 h 523"/>
-              <a:gd name="T34" fmla="*/ 27518 w 512"/>
-              <a:gd name="T35" fmla="*/ 81246 h 523"/>
-              <a:gd name="T36" fmla="*/ 12667 w 512"/>
-              <a:gd name="T37" fmla="*/ 51313 h 523"/>
-              <a:gd name="T38" fmla="*/ 1747 w 512"/>
-              <a:gd name="T39" fmla="*/ 51313 h 523"/>
-              <a:gd name="T40" fmla="*/ 16598 w 512"/>
-              <a:gd name="T41" fmla="*/ 102626 h 523"/>
-              <a:gd name="T42" fmla="*/ 70323 w 512"/>
-              <a:gd name="T43" fmla="*/ 111606 h 523"/>
-              <a:gd name="T44" fmla="*/ 90852 w 512"/>
-              <a:gd name="T45" fmla="*/ 137690 h 523"/>
-              <a:gd name="T46" fmla="*/ 35380 w 512"/>
-              <a:gd name="T47" fmla="*/ 182161 h 523"/>
-              <a:gd name="T48" fmla="*/ 62898 w 512"/>
-              <a:gd name="T49" fmla="*/ 214659 h 523"/>
-              <a:gd name="T50" fmla="*/ 113128 w 512"/>
-              <a:gd name="T51" fmla="*/ 165912 h 523"/>
-              <a:gd name="T52" fmla="*/ 159428 w 512"/>
-              <a:gd name="T53" fmla="*/ 222356 h 523"/>
-              <a:gd name="T54" fmla="*/ 191314 w 512"/>
-              <a:gd name="T55" fmla="*/ 216370 h 523"/>
-              <a:gd name="T56" fmla="*/ 195682 w 512"/>
-              <a:gd name="T57" fmla="*/ 177885 h 523"/>
-              <a:gd name="T58" fmla="*/ 144577 w 512"/>
-              <a:gd name="T59" fmla="*/ 132558 h 523"/>
-              <a:gd name="T60" fmla="*/ 176026 w 512"/>
-              <a:gd name="T61" fmla="*/ 98777 h 523"/>
-              <a:gd name="T62" fmla="*/ 197429 w 512"/>
-              <a:gd name="T63" fmla="*/ 144532 h 523"/>
-              <a:gd name="T64" fmla="*/ 211843 w 512"/>
-              <a:gd name="T65" fmla="*/ 142393 h 523"/>
-              <a:gd name="T66" fmla="*/ 207912 w 512"/>
-              <a:gd name="T67" fmla="*/ 77397 h 523"/>
-              <a:gd name="T68" fmla="*/ 0 60000 65536"/>
-              <a:gd name="T69" fmla="*/ 0 60000 65536"/>
-              <a:gd name="T70" fmla="*/ 0 60000 65536"/>
-              <a:gd name="T71" fmla="*/ 0 60000 65536"/>
-              <a:gd name="T72" fmla="*/ 0 60000 65536"/>
-              <a:gd name="T73" fmla="*/ 0 60000 65536"/>
-              <a:gd name="T74" fmla="*/ 0 60000 65536"/>
-              <a:gd name="T75" fmla="*/ 0 60000 65536"/>
-              <a:gd name="T76" fmla="*/ 0 60000 65536"/>
-              <a:gd name="T77" fmla="*/ 0 60000 65536"/>
-              <a:gd name="T78" fmla="*/ 0 60000 65536"/>
-              <a:gd name="T79" fmla="*/ 0 60000 65536"/>
-              <a:gd name="T80" fmla="*/ 0 60000 65536"/>
-              <a:gd name="T81" fmla="*/ 0 60000 65536"/>
-              <a:gd name="T82" fmla="*/ 0 60000 65536"/>
-              <a:gd name="T83" fmla="*/ 0 60000 65536"/>
-              <a:gd name="T84" fmla="*/ 0 60000 65536"/>
-              <a:gd name="T85" fmla="*/ 0 60000 65536"/>
-              <a:gd name="T86" fmla="*/ 0 60000 65536"/>
-              <a:gd name="T87" fmla="*/ 0 60000 65536"/>
-              <a:gd name="T88" fmla="*/ 0 60000 65536"/>
-              <a:gd name="T89" fmla="*/ 0 60000 65536"/>
-              <a:gd name="T90" fmla="*/ 0 60000 65536"/>
-              <a:gd name="T91" fmla="*/ 0 60000 65536"/>
-              <a:gd name="T92" fmla="*/ 0 60000 65536"/>
-              <a:gd name="T93" fmla="*/ 0 60000 65536"/>
-              <a:gd name="T94" fmla="*/ 0 60000 65536"/>
-              <a:gd name="T95" fmla="*/ 0 60000 65536"/>
-              <a:gd name="T96" fmla="*/ 0 60000 65536"/>
-              <a:gd name="T97" fmla="*/ 0 60000 65536"/>
-              <a:gd name="T98" fmla="*/ 0 60000 65536"/>
-              <a:gd name="T99" fmla="*/ 0 60000 65536"/>
-              <a:gd name="T100" fmla="*/ 0 60000 65536"/>
-              <a:gd name="T101" fmla="*/ 0 60000 65536"/>
-            </a:gdLst>
-            <a:ahLst/>
-            <a:cxnLst>
-              <a:cxn ang="T68">
-                <a:pos x="T0" y="T1"/>
-              </a:cxn>
-              <a:cxn ang="T69">
-                <a:pos x="T2" y="T3"/>
-              </a:cxn>
-              <a:cxn ang="T70">
-                <a:pos x="T4" y="T5"/>
-              </a:cxn>
-              <a:cxn ang="T71">
-                <a:pos x="T6" y="T7"/>
-              </a:cxn>
-              <a:cxn ang="T72">
-                <a:pos x="T8" y="T9"/>
-              </a:cxn>
-              <a:cxn ang="T73">
-                <a:pos x="T10" y="T11"/>
-              </a:cxn>
-              <a:cxn ang="T74">
-                <a:pos x="T12" y="T13"/>
-              </a:cxn>
-              <a:cxn ang="T75">
-                <a:pos x="T14" y="T15"/>
-              </a:cxn>
-              <a:cxn ang="T76">
-                <a:pos x="T16" y="T17"/>
-              </a:cxn>
-              <a:cxn ang="T77">
-                <a:pos x="T18" y="T19"/>
-              </a:cxn>
-              <a:cxn ang="T78">
-                <a:pos x="T20" y="T21"/>
-              </a:cxn>
-              <a:cxn ang="T79">
-                <a:pos x="T22" y="T23"/>
-              </a:cxn>
-              <a:cxn ang="T80">
-                <a:pos x="T24" y="T25"/>
-              </a:cxn>
-              <a:cxn ang="T81">
-                <a:pos x="T26" y="T27"/>
-              </a:cxn>
-              <a:cxn ang="T82">
-                <a:pos x="T28" y="T29"/>
-              </a:cxn>
-              <a:cxn ang="T83">
-                <a:pos x="T30" y="T31"/>
-              </a:cxn>
-              <a:cxn ang="T84">
-                <a:pos x="T32" y="T33"/>
-              </a:cxn>
-              <a:cxn ang="T85">
-                <a:pos x="T34" y="T35"/>
-              </a:cxn>
-              <a:cxn ang="T86">
-                <a:pos x="T36" y="T37"/>
-              </a:cxn>
-              <a:cxn ang="T87">
-                <a:pos x="T38" y="T39"/>
-              </a:cxn>
-              <a:cxn ang="T88">
-                <a:pos x="T40" y="T41"/>
-              </a:cxn>
-              <a:cxn ang="T89">
-                <a:pos x="T42" y="T43"/>
-              </a:cxn>
-              <a:cxn ang="T90">
-                <a:pos x="T44" y="T45"/>
-              </a:cxn>
-              <a:cxn ang="T91">
-                <a:pos x="T46" y="T47"/>
-              </a:cxn>
-              <a:cxn ang="T92">
-                <a:pos x="T48" y="T49"/>
-              </a:cxn>
-              <a:cxn ang="T93">
-                <a:pos x="T50" y="T51"/>
-              </a:cxn>
-              <a:cxn ang="T94">
-                <a:pos x="T52" y="T53"/>
-              </a:cxn>
-              <a:cxn ang="T95">
-                <a:pos x="T54" y="T55"/>
-              </a:cxn>
-              <a:cxn ang="T96">
-                <a:pos x="T56" y="T57"/>
-              </a:cxn>
-              <a:cxn ang="T97">
-                <a:pos x="T58" y="T59"/>
-              </a:cxn>
-              <a:cxn ang="T98">
-                <a:pos x="T60" y="T61"/>
-              </a:cxn>
-              <a:cxn ang="T99">
-                <a:pos x="T62" y="T63"/>
-              </a:cxn>
-              <a:cxn ang="T100">
-                <a:pos x="T64" y="T65"/>
-              </a:cxn>
-              <a:cxn ang="T101">
-                <a:pos x="T66" y="T67"/>
-              </a:cxn>
-            </a:cxnLst>
-            <a:rect l="0" t="0" r="r" b="b"/>
-            <a:pathLst>
-              <a:path w="512" h="523">
-                <a:moveTo>
-                  <a:pt x="368" y="415"/>
-                </a:moveTo>
-                <a:cubicBezTo>
-                  <a:pt x="380" y="407"/>
-                  <a:pt x="399" y="415"/>
-                  <a:pt x="410" y="432"/>
-                </a:cubicBezTo>
-                <a:cubicBezTo>
-                  <a:pt x="422" y="449"/>
-                  <a:pt x="422" y="469"/>
-                  <a:pt x="410" y="477"/>
-                </a:cubicBezTo>
-                <a:cubicBezTo>
-                  <a:pt x="399" y="486"/>
-                  <a:pt x="380" y="478"/>
-                  <a:pt x="368" y="461"/>
-                </a:cubicBezTo>
-                <a:cubicBezTo>
-                  <a:pt x="356" y="444"/>
-                  <a:pt x="356" y="423"/>
-                  <a:pt x="368" y="415"/>
-                </a:cubicBezTo>
-                <a:close/>
-                <a:moveTo>
-                  <a:pt x="476" y="181"/>
-                </a:moveTo>
-                <a:cubicBezTo>
-                  <a:pt x="463" y="149"/>
-                  <a:pt x="422" y="78"/>
-                  <a:pt x="417" y="79"/>
-                </a:cubicBezTo>
-                <a:cubicBezTo>
-                  <a:pt x="412" y="80"/>
-                  <a:pt x="323" y="138"/>
-                  <a:pt x="323" y="141"/>
-                </a:cubicBezTo>
-                <a:cubicBezTo>
-                  <a:pt x="323" y="144"/>
-                  <a:pt x="353" y="172"/>
-                  <a:pt x="377" y="197"/>
-                </a:cubicBezTo>
-                <a:cubicBezTo>
-                  <a:pt x="360" y="210"/>
-                  <a:pt x="323" y="236"/>
-                  <a:pt x="281" y="267"/>
-                </a:cubicBezTo>
-                <a:cubicBezTo>
-                  <a:pt x="245" y="236"/>
-                  <a:pt x="217" y="213"/>
-                  <a:pt x="217" y="213"/>
-                </a:cubicBezTo>
-                <a:cubicBezTo>
-                  <a:pt x="217" y="213"/>
-                  <a:pt x="234" y="122"/>
-                  <a:pt x="226" y="101"/>
-                </a:cubicBezTo>
-                <a:cubicBezTo>
-                  <a:pt x="222" y="92"/>
-                  <a:pt x="97" y="3"/>
-                  <a:pt x="90" y="2"/>
-                </a:cubicBezTo>
-                <a:cubicBezTo>
-                  <a:pt x="83" y="0"/>
-                  <a:pt x="73" y="19"/>
-                  <a:pt x="72" y="25"/>
-                </a:cubicBezTo>
-                <a:cubicBezTo>
-                  <a:pt x="72" y="32"/>
-                  <a:pt x="143" y="100"/>
-                  <a:pt x="149" y="104"/>
-                </a:cubicBezTo>
-                <a:cubicBezTo>
-                  <a:pt x="155" y="108"/>
-                  <a:pt x="159" y="151"/>
-                  <a:pt x="159" y="158"/>
-                </a:cubicBezTo>
-                <a:cubicBezTo>
-                  <a:pt x="159" y="165"/>
-                  <a:pt x="131" y="185"/>
-                  <a:pt x="124" y="189"/>
-                </a:cubicBezTo>
-                <a:cubicBezTo>
-                  <a:pt x="118" y="194"/>
-                  <a:pt x="70" y="194"/>
-                  <a:pt x="63" y="190"/>
-                </a:cubicBezTo>
-                <a:cubicBezTo>
-                  <a:pt x="56" y="187"/>
-                  <a:pt x="32" y="126"/>
-                  <a:pt x="29" y="120"/>
-                </a:cubicBezTo>
-                <a:cubicBezTo>
-                  <a:pt x="25" y="113"/>
-                  <a:pt x="7" y="115"/>
-                  <a:pt x="4" y="120"/>
-                </a:cubicBezTo>
-                <a:cubicBezTo>
-                  <a:pt x="0" y="125"/>
-                  <a:pt x="31" y="233"/>
-                  <a:pt x="38" y="240"/>
-                </a:cubicBezTo>
-                <a:cubicBezTo>
-                  <a:pt x="51" y="254"/>
-                  <a:pt x="161" y="261"/>
-                  <a:pt x="161" y="261"/>
-                </a:cubicBezTo>
-                <a:cubicBezTo>
-                  <a:pt x="161" y="261"/>
-                  <a:pt x="180" y="287"/>
-                  <a:pt x="208" y="322"/>
-                </a:cubicBezTo>
-                <a:cubicBezTo>
-                  <a:pt x="141" y="372"/>
-                  <a:pt x="81" y="419"/>
-                  <a:pt x="81" y="426"/>
-                </a:cubicBezTo>
-                <a:cubicBezTo>
-                  <a:pt x="80" y="442"/>
-                  <a:pt x="129" y="503"/>
-                  <a:pt x="144" y="502"/>
-                </a:cubicBezTo>
-                <a:cubicBezTo>
-                  <a:pt x="151" y="501"/>
-                  <a:pt x="203" y="448"/>
-                  <a:pt x="259" y="388"/>
-                </a:cubicBezTo>
-                <a:cubicBezTo>
-                  <a:pt x="309" y="452"/>
-                  <a:pt x="361" y="518"/>
-                  <a:pt x="365" y="520"/>
-                </a:cubicBezTo>
-                <a:cubicBezTo>
-                  <a:pt x="373" y="523"/>
-                  <a:pt x="432" y="510"/>
-                  <a:pt x="438" y="506"/>
-                </a:cubicBezTo>
-                <a:cubicBezTo>
-                  <a:pt x="444" y="501"/>
-                  <a:pt x="449" y="425"/>
-                  <a:pt x="448" y="416"/>
-                </a:cubicBezTo>
-                <a:cubicBezTo>
-                  <a:pt x="447" y="411"/>
-                  <a:pt x="389" y="360"/>
-                  <a:pt x="331" y="310"/>
-                </a:cubicBezTo>
-                <a:cubicBezTo>
-                  <a:pt x="363" y="275"/>
-                  <a:pt x="390" y="245"/>
-                  <a:pt x="403" y="231"/>
-                </a:cubicBezTo>
-                <a:cubicBezTo>
-                  <a:pt x="426" y="269"/>
-                  <a:pt x="450" y="337"/>
-                  <a:pt x="452" y="338"/>
-                </a:cubicBezTo>
-                <a:cubicBezTo>
-                  <a:pt x="458" y="341"/>
-                  <a:pt x="479" y="338"/>
-                  <a:pt x="485" y="333"/>
-                </a:cubicBezTo>
-                <a:cubicBezTo>
-                  <a:pt x="491" y="329"/>
-                  <a:pt x="512" y="273"/>
-                  <a:pt x="476" y="181"/>
-                </a:cubicBezTo>
-              </a:path>
-            </a:pathLst>
-          </a:custGeom>
-          <a:solidFill>
-            <a:schemeClr val="tx1"/>
-          </a:solidFill>
-          <a:ln>
-            <a:noFill/>
-          </a:ln>
-          <a:extLst>
-            <a:ext uri="{91240B29-F687-4F45-9708-019B960494DF}">
-              <a14:hiddenLine xmlns:a14="http://schemas.microsoft.com/office/drawing/2010/main" w="9525">
-                <a:solidFill>
-                  <a:srgbClr val="000000"/>
-                </a:solidFill>
-                <a:round/>
-                <a:headEnd/>
-                <a:tailEnd/>
-              </a14:hiddenLine>
-            </a:ext>
-          </a:extLst>
-        </p:spPr>
-        <p:txBody>
-          <a:bodyPr/>
-          <a:lstStyle/>
-          <a:p>
-            <a:endParaRPr lang="en-US"/>
           </a:p>
         </p:txBody>
       </p:sp>
@@ -9871,7 +9538,7 @@
         </p:nvSpPr>
         <p:spPr bwMode="auto">
           <a:xfrm>
-            <a:off x="924348" y="1862193"/>
+            <a:off x="844670" y="1913783"/>
             <a:ext cx="185737" cy="231775"/>
           </a:xfrm>
           <a:custGeom>
@@ -10233,7 +9900,7 @@
         </p:nvSpPr>
         <p:spPr bwMode="auto">
           <a:xfrm>
-            <a:off x="851074" y="2809507"/>
+            <a:off x="777799" y="2773337"/>
             <a:ext cx="319481" cy="231775"/>
           </a:xfrm>
           <a:custGeom>
@@ -10452,161 +10119,6 @@
 </p:sld>
 </file>
 
-<file path=ppt/slides/slide20.xml><?xml version="1.0" encoding="utf-8"?>
-<p:sld xmlns:a="http://schemas.openxmlformats.org/drawingml/2006/main" xmlns:r="http://schemas.openxmlformats.org/officeDocument/2006/relationships" xmlns:p="http://schemas.openxmlformats.org/presentationml/2006/main">
-  <p:cSld>
-    <p:spTree>
-      <p:nvGrpSpPr>
-        <p:cNvPr id="1" name=""/>
-        <p:cNvGrpSpPr/>
-        <p:nvPr/>
-      </p:nvGrpSpPr>
-      <p:grpSpPr>
-        <a:xfrm>
-          <a:off x="0" y="0"/>
-          <a:ext cx="0" cy="0"/>
-          <a:chOff x="0" y="0"/>
-          <a:chExt cx="0" cy="0"/>
-        </a:xfrm>
-      </p:grpSpPr>
-      <p:sp>
-        <p:nvSpPr>
-          <p:cNvPr id="2" name="Título 1">
-            <a:extLst>
-              <a:ext uri="{FF2B5EF4-FFF2-40B4-BE49-F238E27FC236}">
-                <a16:creationId xmlns:a16="http://schemas.microsoft.com/office/drawing/2014/main" id="{0B86E8F2-DE81-95DE-D463-986C85D95B1D}"/>
-              </a:ext>
-            </a:extLst>
-          </p:cNvPr>
-          <p:cNvSpPr>
-            <a:spLocks noGrp="1"/>
-          </p:cNvSpPr>
-          <p:nvPr>
-            <p:ph type="title"/>
-          </p:nvPr>
-        </p:nvSpPr>
-        <p:spPr/>
-        <p:txBody>
-          <a:bodyPr/>
-          <a:lstStyle/>
-          <a:p>
-            <a:r>
-              <a:rPr lang="es-ES" dirty="0"/>
-              <a:t>Otras dimensiones de la ocupación	</a:t>
-            </a:r>
-            <a:endParaRPr lang="es-AR" dirty="0"/>
-          </a:p>
-        </p:txBody>
-      </p:sp>
-      <p:sp>
-        <p:nvSpPr>
-          <p:cNvPr id="3" name="Marcador de contenido 2">
-            <a:extLst>
-              <a:ext uri="{FF2B5EF4-FFF2-40B4-BE49-F238E27FC236}">
-                <a16:creationId xmlns:a16="http://schemas.microsoft.com/office/drawing/2014/main" id="{36F43973-44C3-2E3F-9A30-D7AC5A6E4882}"/>
-              </a:ext>
-            </a:extLst>
-          </p:cNvPr>
-          <p:cNvSpPr>
-            <a:spLocks noGrp="1"/>
-          </p:cNvSpPr>
-          <p:nvPr>
-            <p:ph idx="1"/>
-          </p:nvPr>
-        </p:nvSpPr>
-        <p:spPr/>
-        <p:txBody>
-          <a:bodyPr/>
-          <a:lstStyle/>
-          <a:p>
-            <a:r>
-              <a:rPr lang="es-AR" dirty="0"/>
-              <a:t>Clasificador Nacional de Ocupaciones: Carácter, Jerarquía, Tecnología y Calificación: </a:t>
-            </a:r>
-            <a:r>
-              <a:rPr lang="es-AR" dirty="0">
-                <a:hlinkClick r:id="rId2"/>
-              </a:rPr>
-              <a:t>CNO</a:t>
-            </a:r>
-            <a:endParaRPr lang="es-AR" dirty="0"/>
-          </a:p>
-          <a:p>
-            <a:r>
-              <a:rPr lang="es-AR" dirty="0"/>
-              <a:t>Rama de actividad: </a:t>
-            </a:r>
-            <a:r>
-              <a:rPr lang="es-AR" dirty="0">
-                <a:hlinkClick r:id="rId3"/>
-              </a:rPr>
-              <a:t>CAES</a:t>
-            </a:r>
-            <a:endParaRPr lang="es-AR" dirty="0"/>
-          </a:p>
-          <a:p>
-            <a:r>
-              <a:rPr lang="es-AR" dirty="0"/>
-              <a:t>Tipo de establecimiento (público o privado)</a:t>
-            </a:r>
-          </a:p>
-          <a:p>
-            <a:r>
-              <a:rPr lang="es-AR" dirty="0"/>
-              <a:t>Tamaño del establecimiento</a:t>
-            </a:r>
-          </a:p>
-          <a:p>
-            <a:r>
-              <a:rPr lang="es-AR" dirty="0"/>
-              <a:t>Condición de registro (realización de descuentos jubilatorios para asalariados)</a:t>
-            </a:r>
-          </a:p>
-          <a:p>
-            <a:r>
-              <a:rPr lang="es-AR" dirty="0"/>
-              <a:t>Duración del empleo (permanente, de duración determinada, etc.)</a:t>
-            </a:r>
-          </a:p>
-          <a:p>
-            <a:r>
-              <a:rPr lang="es-AR" dirty="0"/>
-              <a:t>Antigüedad</a:t>
-            </a:r>
-          </a:p>
-          <a:p>
-            <a:r>
-              <a:rPr lang="es-AR" dirty="0"/>
-              <a:t>Ingresos percibidos en la ocupación (distintas desagregaciones)</a:t>
-            </a:r>
-          </a:p>
-          <a:p>
-            <a:r>
-              <a:rPr lang="es-AR" dirty="0"/>
-              <a:t>¿Segundas ocupaciones?</a:t>
-            </a:r>
-          </a:p>
-          <a:p>
-            <a:pPr marL="0" indent="0">
-              <a:buNone/>
-            </a:pPr>
-            <a:endParaRPr lang="es-AR" dirty="0"/>
-          </a:p>
-        </p:txBody>
-      </p:sp>
-    </p:spTree>
-    <p:extLst>
-      <p:ext uri="{BB962C8B-B14F-4D97-AF65-F5344CB8AC3E}">
-        <p14:creationId xmlns:p14="http://schemas.microsoft.com/office/powerpoint/2010/main" val="425174626"/>
-      </p:ext>
-    </p:extLst>
-  </p:cSld>
-  <p:clrMapOvr>
-    <a:masterClrMapping/>
-  </p:clrMapOvr>
-</p:sld>
-</file>
-
 <file path=ppt/slides/slide3.xml><?xml version="1.0" encoding="utf-8"?>
 <p:sld xmlns:a="http://schemas.openxmlformats.org/drawingml/2006/main" xmlns:r="http://schemas.openxmlformats.org/officeDocument/2006/relationships" xmlns:p="http://schemas.openxmlformats.org/presentationml/2006/main">
   <p:cSld>
@@ -10731,7 +10243,7 @@
         </p:blipFill>
         <p:spPr>
           <a:xfrm>
-            <a:off x="2141622" y="1704841"/>
+            <a:off x="2264452" y="1704841"/>
             <a:ext cx="7346112" cy="4670897"/>
           </a:xfrm>
           <a:prstGeom prst="rect">
@@ -10866,55 +10378,6 @@
           </a:p>
           <a:p>
             <a:endParaRPr lang="es-AR" dirty="0"/>
-          </a:p>
-        </p:txBody>
-      </p:sp>
-      <p:sp>
-        <p:nvSpPr>
-          <p:cNvPr id="4" name="Rectangle 9">
-            <a:extLst>
-              <a:ext uri="{FF2B5EF4-FFF2-40B4-BE49-F238E27FC236}">
-                <a16:creationId xmlns:a16="http://schemas.microsoft.com/office/drawing/2014/main" id="{316153A5-7069-0C49-8467-D9194CD8CD4B}"/>
-              </a:ext>
-            </a:extLst>
-          </p:cNvPr>
-          <p:cNvSpPr/>
-          <p:nvPr/>
-        </p:nvSpPr>
-        <p:spPr>
-          <a:xfrm>
-            <a:off x="5404108" y="6098739"/>
-            <a:ext cx="1383784" cy="276999"/>
-          </a:xfrm>
-          <a:prstGeom prst="rect">
-            <a:avLst/>
-          </a:prstGeom>
-        </p:spPr>
-        <p:txBody>
-          <a:bodyPr wrap="square">
-            <a:spAutoFit/>
-          </a:bodyPr>
-          <a:lstStyle/>
-          <a:p>
-            <a:pPr algn="ctr"/>
-            <a:r>
-              <a:rPr lang="en-US" sz="1200" spc="200" dirty="0">
-                <a:solidFill>
-                  <a:schemeClr val="tx1">
-                    <a:lumMod val="75000"/>
-                    <a:lumOff val="25000"/>
-                  </a:schemeClr>
-                </a:solidFill>
-              </a:rPr>
-              <a:t>14/10/2024</a:t>
-            </a:r>
-            <a:endParaRPr lang="en-US" sz="1200" dirty="0">
-              <a:solidFill>
-                <a:schemeClr val="bg2">
-                  <a:lumMod val="25000"/>
-                </a:schemeClr>
-              </a:solidFill>
-            </a:endParaRPr>
           </a:p>
         </p:txBody>
       </p:sp>
@@ -11053,104 +10516,6 @@
           <a:chExt cx="0" cy="0"/>
         </a:xfrm>
       </p:grpSpPr>
-      <p:pic>
-        <p:nvPicPr>
-          <p:cNvPr id="4" name="Marcador de contenido 3">
-            <a:extLst>
-              <a:ext uri="{FF2B5EF4-FFF2-40B4-BE49-F238E27FC236}">
-                <a16:creationId xmlns:a16="http://schemas.microsoft.com/office/drawing/2014/main" id="{82A706E8-0AFB-1738-1BF7-A2F46FACA2FB}"/>
-              </a:ext>
-            </a:extLst>
-          </p:cNvPr>
-          <p:cNvPicPr>
-            <a:picLocks noGrp="1" noChangeAspect="1"/>
-          </p:cNvPicPr>
-          <p:nvPr>
-            <p:ph idx="1"/>
-          </p:nvPr>
-        </p:nvPicPr>
-        <p:blipFill>
-          <a:blip r:embed="rId2"/>
-          <a:stretch>
-            <a:fillRect/>
-          </a:stretch>
-        </p:blipFill>
-        <p:spPr>
-          <a:xfrm>
-            <a:off x="1353618" y="796978"/>
-            <a:ext cx="9484764" cy="5264044"/>
-          </a:xfrm>
-          <a:prstGeom prst="rect">
-            <a:avLst/>
-          </a:prstGeom>
-        </p:spPr>
-      </p:pic>
-      <p:sp>
-        <p:nvSpPr>
-          <p:cNvPr id="14" name="CuadroTexto 13">
-            <a:extLst>
-              <a:ext uri="{FF2B5EF4-FFF2-40B4-BE49-F238E27FC236}">
-                <a16:creationId xmlns:a16="http://schemas.microsoft.com/office/drawing/2014/main" id="{D4D296A7-D79F-0285-61ED-72B12BCD281B}"/>
-              </a:ext>
-            </a:extLst>
-          </p:cNvPr>
-          <p:cNvSpPr txBox="1"/>
-          <p:nvPr/>
-        </p:nvSpPr>
-        <p:spPr>
-          <a:xfrm>
-            <a:off x="1353618" y="5968741"/>
-            <a:ext cx="7092550" cy="369332"/>
-          </a:xfrm>
-          <a:prstGeom prst="rect">
-            <a:avLst/>
-          </a:prstGeom>
-          <a:noFill/>
-        </p:spPr>
-        <p:txBody>
-          <a:bodyPr wrap="square" rtlCol="0">
-            <a:spAutoFit/>
-          </a:bodyPr>
-          <a:lstStyle/>
-          <a:p>
-            <a:r>
-              <a:rPr lang="es-ES" dirty="0"/>
-              <a:t>Fuente: 19° Conferencia Internacional de Estadísticos del Trabajo - OIT</a:t>
-            </a:r>
-            <a:endParaRPr lang="es-AR" dirty="0"/>
-          </a:p>
-        </p:txBody>
-      </p:sp>
-    </p:spTree>
-    <p:extLst>
-      <p:ext uri="{BB962C8B-B14F-4D97-AF65-F5344CB8AC3E}">
-        <p14:creationId xmlns:p14="http://schemas.microsoft.com/office/powerpoint/2010/main" val="3723916705"/>
-      </p:ext>
-    </p:extLst>
-  </p:cSld>
-  <p:clrMapOvr>
-    <a:masterClrMapping/>
-  </p:clrMapOvr>
-</p:sld>
-</file>
-
-<file path=ppt/slides/slide7.xml><?xml version="1.0" encoding="utf-8"?>
-<p:sld xmlns:a="http://schemas.openxmlformats.org/drawingml/2006/main" xmlns:r="http://schemas.openxmlformats.org/officeDocument/2006/relationships" xmlns:p="http://schemas.openxmlformats.org/presentationml/2006/main">
-  <p:cSld>
-    <p:spTree>
-      <p:nvGrpSpPr>
-        <p:cNvPr id="1" name=""/>
-        <p:cNvGrpSpPr/>
-        <p:nvPr/>
-      </p:nvGrpSpPr>
-      <p:grpSpPr>
-        <a:xfrm>
-          <a:off x="0" y="0"/>
-          <a:ext cx="0" cy="0"/>
-          <a:chOff x="0" y="0"/>
-          <a:chExt cx="0" cy="0"/>
-        </a:xfrm>
-      </p:grpSpPr>
       <p:sp>
         <p:nvSpPr>
           <p:cNvPr id="2" name="Título 1">
@@ -11198,8 +10563,8 @@
         </p:nvSpPr>
         <p:spPr>
           <a:xfrm>
-            <a:off x="838200" y="1825625"/>
-            <a:ext cx="10515600" cy="3457870"/>
+            <a:off x="640080" y="1700511"/>
+            <a:ext cx="10515600" cy="4967514"/>
           </a:xfrm>
           <a:prstGeom prst="rect">
             <a:avLst/>
@@ -11212,153 +10577,153 @@
           </a:bodyPr>
           <a:lstStyle/>
           <a:p>
-            <a:pPr lvl="1"/>
-            <a:endParaRPr lang="es-AR" sz="1700" u="sng" dirty="0"/>
-          </a:p>
-          <a:p>
-            <a:pPr lvl="1"/>
-            <a:r>
-              <a:rPr lang="es-AR" sz="1700" b="1" u="sng" dirty="0"/>
+            <a:pPr lvl="1" algn="just"/>
+            <a:endParaRPr lang="es-AR" sz="2000" u="sng" dirty="0"/>
+          </a:p>
+          <a:p>
+            <a:pPr lvl="1" algn="just"/>
+            <a:r>
+              <a:rPr lang="es-AR" sz="2000" b="1" u="sng" dirty="0">
+                <a:latin typeface="+mj-lt"/>
+              </a:rPr>
               <a:t>Concepto de aglomerado: </a:t>
             </a:r>
             <a:r>
-              <a:rPr lang="es-MX" sz="1700" dirty="0">
+              <a:rPr lang="es-MX" sz="2000" dirty="0">
                 <a:latin typeface="+mj-lt"/>
               </a:rPr>
               <a:t>En las encuestas de fuerza de trabajo dos localidades distintas, pero próximas y que conforman en realidad un único mercado de trabajo, son tomadas como un único aglomerado</a:t>
             </a:r>
-            <a:endParaRPr lang="es-AR" sz="1700" dirty="0">
+            <a:endParaRPr lang="es-AR" sz="2000" dirty="0">
               <a:latin typeface="+mj-lt"/>
             </a:endParaRPr>
           </a:p>
           <a:p>
-            <a:pPr lvl="1"/>
-            <a:r>
-              <a:rPr lang="es-AR" sz="1700" b="1" u="sng" dirty="0"/>
-              <a:t>Cobertura geográfica</a:t>
-            </a:r>
-            <a:r>
-              <a:rPr lang="es-AR" sz="1700" dirty="0"/>
-              <a:t>: 31</a:t>
-            </a:r>
-            <a:r>
-              <a:rPr lang="es-AR" sz="1700" dirty="0">
+            <a:pPr lvl="1" algn="just"/>
+            <a:r>
+              <a:rPr lang="es-AR" sz="2000" b="1" u="sng" dirty="0">
                 <a:latin typeface="+mj-lt"/>
               </a:rPr>
-              <a:t> aglomerados urbanos (capitales de provincias y </a:t>
-            </a:r>
-            <a:r>
-              <a:rPr lang="es-AR" sz="1700" dirty="0" err="1">
+              <a:t>Cobertura geográfica</a:t>
+            </a:r>
+            <a:r>
+              <a:rPr lang="es-AR" sz="2000" dirty="0">
+                <a:latin typeface="+mj-lt"/>
+              </a:rPr>
+              <a:t>: 31 aglomerados urbanos (capitales de provincias y </a:t>
+            </a:r>
+            <a:r>
+              <a:rPr lang="es-AR" sz="2000" dirty="0" err="1">
                 <a:latin typeface="+mj-lt"/>
               </a:rPr>
               <a:t>aglom</a:t>
             </a:r>
             <a:r>
-              <a:rPr lang="es-AR" sz="1700" dirty="0">
+              <a:rPr lang="es-AR" sz="2000" dirty="0">
                 <a:latin typeface="+mj-lt"/>
               </a:rPr>
               <a:t>. con más de 100.000 habitantes)</a:t>
             </a:r>
           </a:p>
           <a:p>
-            <a:pPr lvl="2"/>
-            <a:r>
-              <a:rPr lang="es-AR" dirty="0"/>
+            <a:pPr lvl="2" algn="just"/>
+            <a:r>
+              <a:rPr lang="es-AR" sz="1800" dirty="0">
+                <a:latin typeface="+mj-lt"/>
+              </a:rPr>
               <a:t>Muestra de aproximadamente 18.000 hogares y 58.000 personas que representan a 28 millones de habitantes urbanos</a:t>
             </a:r>
-            <a:endParaRPr lang="es-AR" sz="1300" dirty="0">
+            <a:endParaRPr lang="es-AR" sz="1600" dirty="0">
               <a:latin typeface="+mj-lt"/>
             </a:endParaRPr>
           </a:p>
           <a:p>
-            <a:pPr lvl="1"/>
-            <a:r>
-              <a:rPr lang="es-AR" sz="1700" b="1" u="sng" dirty="0"/>
+            <a:pPr lvl="1" algn="just"/>
+            <a:r>
+              <a:rPr lang="es-AR" sz="2000" b="1" u="sng" dirty="0">
+                <a:latin typeface="+mj-lt"/>
+              </a:rPr>
               <a:t>Periodicidad</a:t>
             </a:r>
             <a:r>
-              <a:rPr lang="es-AR" sz="1700" dirty="0">
+              <a:rPr lang="es-AR" sz="2000" dirty="0">
                 <a:latin typeface="+mj-lt"/>
               </a:rPr>
               <a:t>: Relevamiento continuo (publicación de datos trimestral).</a:t>
             </a:r>
           </a:p>
           <a:p>
-            <a:pPr lvl="1"/>
-            <a:r>
-              <a:rPr lang="es-AR" sz="1700" b="1" u="sng" dirty="0">
+            <a:pPr lvl="1" algn="just"/>
+            <a:r>
+              <a:rPr lang="es-AR" sz="2000" b="1" u="sng" dirty="0">
                 <a:latin typeface="+mj-lt"/>
               </a:rPr>
               <a:t>Diseño muestral </a:t>
             </a:r>
             <a:r>
-              <a:rPr lang="es-AR" sz="1700" b="1" u="sng" dirty="0" err="1">
+              <a:rPr lang="es-AR" sz="2000" b="1" u="sng" dirty="0" err="1">
                 <a:latin typeface="+mj-lt"/>
               </a:rPr>
               <a:t>bietápico</a:t>
             </a:r>
             <a:r>
-              <a:rPr lang="es-AR" sz="1700" b="1" u="sng" dirty="0">
+              <a:rPr lang="es-AR" sz="2000" b="1" u="sng" dirty="0">
                 <a:latin typeface="+mj-lt"/>
               </a:rPr>
               <a:t> </a:t>
             </a:r>
             <a:r>
-              <a:rPr lang="es-AR" sz="1700" b="1" u="sng" dirty="0" err="1">
+              <a:rPr lang="es-AR" sz="2000" b="1" u="sng" dirty="0" err="1">
                 <a:latin typeface="+mj-lt"/>
               </a:rPr>
               <a:t>estratíficado</a:t>
             </a:r>
             <a:r>
-              <a:rPr lang="es-AR" sz="1700" b="1" u="sng" dirty="0">
+              <a:rPr lang="es-AR" sz="2000" b="1" u="sng" dirty="0">
                 <a:latin typeface="+mj-lt"/>
               </a:rPr>
-              <a:t>:</a:t>
-            </a:r>
-            <a:r>
-              <a:rPr lang="es-AR" sz="1700" dirty="0">
-                <a:latin typeface="+mj-lt"/>
-              </a:rPr>
-              <a:t> </a:t>
-            </a:r>
-          </a:p>
-          <a:p>
-            <a:pPr lvl="2"/>
-            <a:r>
-              <a:rPr lang="es-AR" sz="1300" dirty="0">
+              <a:t>: </a:t>
+            </a:r>
+          </a:p>
+          <a:p>
+            <a:pPr lvl="2" algn="just"/>
+            <a:r>
+              <a:rPr lang="es-AR" sz="1600" dirty="0">
                 <a:latin typeface="+mj-lt"/>
               </a:rPr>
               <a:t>1) Selección de radios censales o subdivisiones de estos en cada aglomerado.</a:t>
             </a:r>
           </a:p>
           <a:p>
-            <a:pPr lvl="2"/>
-            <a:r>
-              <a:rPr lang="es-AR" sz="1300" dirty="0">
+            <a:pPr lvl="2" algn="just"/>
+            <a:r>
+              <a:rPr lang="es-AR" sz="1600" dirty="0">
                 <a:latin typeface="+mj-lt"/>
               </a:rPr>
               <a:t>2) Listado de todas las viviendas de las áreas seleccionadas y, luego, selección aleatoria de viviendas para definir los hogares a encuestar. </a:t>
             </a:r>
-            <a:endParaRPr lang="es-AR" sz="1300" b="1" u="sng" dirty="0">
+            <a:endParaRPr lang="es-AR" sz="1600" b="1" u="sng" dirty="0">
               <a:latin typeface="+mj-lt"/>
             </a:endParaRPr>
           </a:p>
           <a:p>
-            <a:pPr lvl="1"/>
-            <a:r>
-              <a:rPr lang="es-AR" sz="1700" b="1" u="sng" dirty="0"/>
+            <a:pPr lvl="1" algn="just"/>
+            <a:r>
+              <a:rPr lang="es-AR" sz="2000" b="1" u="sng" dirty="0">
+                <a:latin typeface="+mj-lt"/>
+              </a:rPr>
               <a:t>Esquema de Rotación</a:t>
             </a:r>
             <a:r>
-              <a:rPr lang="es-AR" sz="1700" dirty="0">
+              <a:rPr lang="es-AR" sz="2000" dirty="0">
                 <a:latin typeface="+mj-lt"/>
               </a:rPr>
               <a:t>: 2-2-2. Los hogares participan dos trimestres de la muestra, descansan dos, y vuelven a ingresar dos participa. </a:t>
             </a:r>
           </a:p>
           <a:p>
-            <a:pPr lvl="1"/>
-            <a:endParaRPr lang="es-AR" sz="1700" dirty="0">
+            <a:pPr lvl="1" algn="just"/>
+            <a:endParaRPr lang="es-AR" sz="2000" dirty="0">
               <a:latin typeface="+mj-lt"/>
             </a:endParaRPr>
           </a:p>
@@ -11458,7 +10823,7 @@
 </p:sld>
 </file>
 
-<file path=ppt/slides/slide8.xml><?xml version="1.0" encoding="utf-8"?>
+<file path=ppt/slides/slide7.xml><?xml version="1.0" encoding="utf-8"?>
 <p:sld xmlns:a="http://schemas.openxmlformats.org/drawingml/2006/main" xmlns:r="http://schemas.openxmlformats.org/officeDocument/2006/relationships" xmlns:p="http://schemas.openxmlformats.org/presentationml/2006/main">
   <p:cSld>
     <p:spTree>
@@ -11526,7 +10891,7 @@
         <p:spPr>
           <a:xfrm>
             <a:off x="916006" y="2768305"/>
-            <a:ext cx="10119358" cy="2585323"/>
+            <a:ext cx="10119358" cy="2554545"/>
           </a:xfrm>
           <a:prstGeom prst="rect">
             <a:avLst/>
@@ -11539,106 +10904,111 @@
           </a:bodyPr>
           <a:lstStyle/>
           <a:p>
-            <a:r>
-              <a:rPr lang="es-MX" b="1" i="1" u="sng" dirty="0">
+            <a:pPr algn="just"/>
+            <a:r>
+              <a:rPr lang="es-MX" sz="2000" b="1" i="1" u="sng" dirty="0">
                 <a:solidFill>
                   <a:srgbClr val="000000"/>
                 </a:solidFill>
                 <a:effectLst/>
-                <a:latin typeface="Fira Sans" panose="020B0503050000020004" pitchFamily="34" charset="0"/>
+                <a:latin typeface="+mj-lt"/>
               </a:rPr>
               <a:t>Viviendas</a:t>
             </a:r>
             <a:r>
-              <a:rPr lang="es-MX" b="0" i="1" dirty="0">
+              <a:rPr lang="es-MX" sz="2000" b="0" i="1" dirty="0">
                 <a:solidFill>
                   <a:srgbClr val="000000"/>
                 </a:solidFill>
                 <a:effectLst/>
-                <a:latin typeface="Fira Sans" panose="020B0503050000020004" pitchFamily="34" charset="0"/>
+                <a:latin typeface="+mj-lt"/>
               </a:rPr>
               <a:t>: “cualquier recinto fijo o móvil que ha sido construido o adaptado para alojar personas. Las viviendas pueden ser particulares o colectivas. La EPH sólo encuesta las particulares“</a:t>
             </a:r>
           </a:p>
           <a:p>
-            <a:endParaRPr lang="es-MX" i="1" dirty="0">
+            <a:pPr algn="just"/>
+            <a:endParaRPr lang="es-MX" sz="2000" i="1" dirty="0">
               <a:solidFill>
                 <a:srgbClr val="000000"/>
               </a:solidFill>
-              <a:latin typeface="Fira Sans" panose="020B0503050000020004" pitchFamily="34" charset="0"/>
+              <a:latin typeface="+mj-lt"/>
             </a:endParaRPr>
           </a:p>
           <a:p>
-            <a:r>
-              <a:rPr lang="es-MX" b="1" i="1" u="sng" dirty="0">
+            <a:pPr algn="just"/>
+            <a:r>
+              <a:rPr lang="es-MX" sz="2000" b="1" i="1" u="sng" dirty="0">
                 <a:solidFill>
                   <a:srgbClr val="000000"/>
                 </a:solidFill>
-                <a:latin typeface="Fira Sans" panose="020B0503050000020004" pitchFamily="34" charset="0"/>
+                <a:latin typeface="+mj-lt"/>
               </a:rPr>
               <a:t>Hogares: </a:t>
             </a:r>
             <a:r>
-              <a:rPr lang="es-MX" b="1" i="1" dirty="0">
+              <a:rPr lang="es-MX" sz="2000" b="1" i="1" dirty="0">
                 <a:solidFill>
                   <a:srgbClr val="000000"/>
                 </a:solidFill>
-                <a:latin typeface="Fira Sans" panose="020B0503050000020004" pitchFamily="34" charset="0"/>
+                <a:latin typeface="+mj-lt"/>
               </a:rPr>
               <a:t>“</a:t>
             </a:r>
             <a:r>
-              <a:rPr lang="es-MX" i="1" dirty="0">
+              <a:rPr lang="es-MX" sz="2000" i="1" dirty="0">
                 <a:solidFill>
                   <a:srgbClr val="000000"/>
                 </a:solidFill>
-                <a:latin typeface="Fira Sans" panose="020B0503050000020004" pitchFamily="34" charset="0"/>
+                <a:latin typeface="+mj-lt"/>
               </a:rPr>
               <a:t>P</a:t>
             </a:r>
             <a:r>
-              <a:rPr lang="es-MX" b="0" i="1" dirty="0">
+              <a:rPr lang="es-MX" sz="2000" b="0" i="1" dirty="0">
                 <a:solidFill>
                   <a:srgbClr val="000000"/>
                 </a:solidFill>
                 <a:effectLst/>
-                <a:latin typeface="Fira Sans" panose="020B0503050000020004" pitchFamily="34" charset="0"/>
+                <a:latin typeface="+mj-lt"/>
               </a:rPr>
               <a:t>ersona o grupo de personas parientes o no, que viven bajo un mismo techo y comparten los gastos de alimentación”. </a:t>
             </a:r>
           </a:p>
           <a:p>
-            <a:endParaRPr lang="es-MX" i="1" dirty="0">
+            <a:pPr algn="just"/>
+            <a:endParaRPr lang="es-MX" sz="2000" i="1" dirty="0">
               <a:solidFill>
                 <a:srgbClr val="000000"/>
               </a:solidFill>
-              <a:latin typeface="Fira Sans" panose="020B0503050000020004" pitchFamily="34" charset="0"/>
+              <a:latin typeface="+mj-lt"/>
             </a:endParaRPr>
           </a:p>
           <a:p>
-            <a:r>
-              <a:rPr lang="es-MX" b="1" i="1" u="sng" dirty="0">
+            <a:pPr algn="just"/>
+            <a:r>
+              <a:rPr lang="es-MX" sz="2000" b="1" i="1" u="sng" dirty="0">
                 <a:solidFill>
                   <a:srgbClr val="000000"/>
                 </a:solidFill>
-                <a:latin typeface="Fira Sans" panose="020B0503050000020004" pitchFamily="34" charset="0"/>
+                <a:latin typeface="+mj-lt"/>
               </a:rPr>
               <a:t>Individuos:</a:t>
             </a:r>
             <a:r>
-              <a:rPr lang="es-MX" i="1" dirty="0">
+              <a:rPr lang="es-MX" sz="2000" i="1" dirty="0">
                 <a:solidFill>
                   <a:srgbClr val="000000"/>
                 </a:solidFill>
-                <a:latin typeface="Fira Sans" panose="020B0503050000020004" pitchFamily="34" charset="0"/>
+                <a:latin typeface="+mj-lt"/>
               </a:rPr>
-              <a:t> Se releva información sobre todos los individuos de un hogar (responden mayores de 18 años)</a:t>
-            </a:r>
-            <a:endParaRPr lang="es-AR" b="1" i="1" u="sng" dirty="0">
+              <a:t> Se releva información sobre todos los individuos de un hogar (responden mayores de 10 años)</a:t>
+            </a:r>
+            <a:endParaRPr lang="es-AR" sz="2000" b="1" i="1" u="sng" dirty="0">
               <a:solidFill>
                 <a:srgbClr val="000000"/>
               </a:solidFill>
-              <a:latin typeface="Fira Sans" panose="020B0503050000020004" pitchFamily="34" charset="0"/>
+              <a:latin typeface="+mj-lt"/>
             </a:endParaRPr>
           </a:p>
         </p:txBody>
@@ -11671,6 +11041,7 @@
           </a:bodyPr>
           <a:lstStyle/>
           <a:p>
+            <a:pPr algn="just"/>
             <a:r>
               <a:rPr lang="es-AR" dirty="0"/>
               <a:t>Cada una de ella tiene un cuestionario propio y es posible distinguirlas en las bases de microdatos publicadas</a:t>
@@ -11683,6 +11054,179 @@
     <p:extLst>
       <p:ext uri="{BB962C8B-B14F-4D97-AF65-F5344CB8AC3E}">
         <p14:creationId xmlns:p14="http://schemas.microsoft.com/office/powerpoint/2010/main" val="3945891533"/>
+      </p:ext>
+    </p:extLst>
+  </p:cSld>
+  <p:clrMapOvr>
+    <a:masterClrMapping/>
+  </p:clrMapOvr>
+</p:sld>
+</file>
+
+<file path=ppt/slides/slide8.xml><?xml version="1.0" encoding="utf-8"?>
+<p:sld xmlns:a="http://schemas.openxmlformats.org/drawingml/2006/main" xmlns:r="http://schemas.openxmlformats.org/officeDocument/2006/relationships" xmlns:p="http://schemas.openxmlformats.org/presentationml/2006/main">
+  <p:cSld>
+    <p:spTree>
+      <p:nvGrpSpPr>
+        <p:cNvPr id="1" name=""/>
+        <p:cNvGrpSpPr/>
+        <p:nvPr/>
+      </p:nvGrpSpPr>
+      <p:grpSpPr>
+        <a:xfrm>
+          <a:off x="0" y="0"/>
+          <a:ext cx="0" cy="0"/>
+          <a:chOff x="0" y="0"/>
+          <a:chExt cx="0" cy="0"/>
+        </a:xfrm>
+      </p:grpSpPr>
+      <p:sp>
+        <p:nvSpPr>
+          <p:cNvPr id="2" name="Título 1">
+            <a:extLst>
+              <a:ext uri="{FF2B5EF4-FFF2-40B4-BE49-F238E27FC236}">
+                <a16:creationId xmlns:a16="http://schemas.microsoft.com/office/drawing/2014/main" id="{E8D08E52-9389-3F14-9199-562C46C1BFD6}"/>
+              </a:ext>
+            </a:extLst>
+          </p:cNvPr>
+          <p:cNvSpPr>
+            <a:spLocks noGrp="1"/>
+          </p:cNvSpPr>
+          <p:nvPr>
+            <p:ph type="title"/>
+          </p:nvPr>
+        </p:nvSpPr>
+        <p:spPr/>
+        <p:txBody>
+          <a:bodyPr/>
+          <a:lstStyle/>
+          <a:p>
+            <a:r>
+              <a:rPr lang="es-ES" dirty="0"/>
+              <a:t>Instrumentos de relevamiento</a:t>
+            </a:r>
+            <a:endParaRPr lang="es-AR" dirty="0"/>
+          </a:p>
+        </p:txBody>
+      </p:sp>
+      <p:sp>
+        <p:nvSpPr>
+          <p:cNvPr id="4" name="Marcador de contenido 3">
+            <a:extLst>
+              <a:ext uri="{FF2B5EF4-FFF2-40B4-BE49-F238E27FC236}">
+                <a16:creationId xmlns:a16="http://schemas.microsoft.com/office/drawing/2014/main" id="{470D18F7-69BE-77F8-9363-574AA4485AA9}"/>
+              </a:ext>
+            </a:extLst>
+          </p:cNvPr>
+          <p:cNvSpPr txBox="1">
+            <a:spLocks noGrp="1"/>
+          </p:cNvSpPr>
+          <p:nvPr>
+            <p:ph idx="1"/>
+          </p:nvPr>
+        </p:nvSpPr>
+        <p:spPr>
+          <a:xfrm>
+            <a:off x="838200" y="1825625"/>
+            <a:ext cx="10515600" cy="4649478"/>
+          </a:xfrm>
+          <a:prstGeom prst="rect">
+            <a:avLst/>
+          </a:prstGeom>
+          <a:noFill/>
+        </p:spPr>
+        <p:txBody>
+          <a:bodyPr wrap="square" rtlCol="0">
+            <a:spAutoFit/>
+          </a:bodyPr>
+          <a:lstStyle/>
+          <a:p>
+            <a:pPr algn="just"/>
+            <a:r>
+              <a:rPr lang="es-AR" b="1" dirty="0"/>
+              <a:t>Cuestionario de vivienda</a:t>
+            </a:r>
+          </a:p>
+          <a:p>
+            <a:pPr lvl="1" algn="just"/>
+            <a:r>
+              <a:rPr lang="es-AR" dirty="0"/>
+              <a:t>Evalúa características estructurales de la vivienda</a:t>
+            </a:r>
+          </a:p>
+          <a:p>
+            <a:pPr lvl="1" algn="just"/>
+            <a:r>
+              <a:rPr lang="es-AR" dirty="0"/>
+              <a:t>Determina la cantidad de hogares que habitan en la vivienda</a:t>
+            </a:r>
+            <a:endParaRPr lang="es-AR" sz="2000" dirty="0"/>
+          </a:p>
+          <a:p>
+            <a:pPr algn="just"/>
+            <a:r>
+              <a:rPr lang="es-AR" sz="2000" b="1" dirty="0"/>
+              <a:t>Cuestionario de hogar</a:t>
+            </a:r>
+            <a:endParaRPr lang="es-AR" b="1" dirty="0"/>
+          </a:p>
+          <a:p>
+            <a:pPr lvl="1" algn="just"/>
+            <a:r>
+              <a:rPr lang="es-AR" dirty="0"/>
+              <a:t>Evalúa residencia, información demográfica, determina el jefe del hogar y organiza relaciones de parentesco.</a:t>
+            </a:r>
+          </a:p>
+          <a:p>
+            <a:pPr lvl="1" algn="just"/>
+            <a:r>
+              <a:rPr lang="es-AR" dirty="0"/>
+              <a:t>Evalúa estrategias del hogar</a:t>
+            </a:r>
+          </a:p>
+          <a:p>
+            <a:pPr algn="just"/>
+            <a:r>
+              <a:rPr lang="es-AR" b="1" dirty="0"/>
+              <a:t>Cuestionario individual</a:t>
+            </a:r>
+          </a:p>
+          <a:p>
+            <a:pPr lvl="1" algn="just"/>
+            <a:r>
+              <a:rPr lang="es-AR" dirty="0"/>
+              <a:t>Caracterización individual centrada en la inserción ocupacional de la persona</a:t>
+            </a:r>
+          </a:p>
+          <a:p>
+            <a:pPr algn="just"/>
+            <a:r>
+              <a:rPr lang="es-AR" b="1" dirty="0"/>
+              <a:t>Módulos especiales</a:t>
+            </a:r>
+          </a:p>
+          <a:p>
+            <a:pPr lvl="1" algn="just"/>
+            <a:endParaRPr lang="es-AR" dirty="0"/>
+          </a:p>
+          <a:p>
+            <a:pPr lvl="1" algn="just"/>
+            <a:endParaRPr lang="es-AR" dirty="0"/>
+          </a:p>
+          <a:p>
+            <a:pPr lvl="1" algn="just"/>
+            <a:endParaRPr lang="es-AR" dirty="0"/>
+          </a:p>
+          <a:p>
+            <a:pPr lvl="1" algn="just"/>
+            <a:endParaRPr lang="es-AR" dirty="0"/>
+          </a:p>
+        </p:txBody>
+      </p:sp>
+    </p:spTree>
+    <p:extLst>
+      <p:ext uri="{BB962C8B-B14F-4D97-AF65-F5344CB8AC3E}">
+        <p14:creationId xmlns:p14="http://schemas.microsoft.com/office/powerpoint/2010/main" val="971381042"/>
       </p:ext>
     </p:extLst>
   </p:cSld>
@@ -11714,7 +11258,7 @@
           <p:cNvPr id="2" name="Título 1">
             <a:extLst>
               <a:ext uri="{FF2B5EF4-FFF2-40B4-BE49-F238E27FC236}">
-                <a16:creationId xmlns:a16="http://schemas.microsoft.com/office/drawing/2014/main" id="{E8D08E52-9389-3F14-9199-562C46C1BFD6}"/>
+                <a16:creationId xmlns:a16="http://schemas.microsoft.com/office/drawing/2014/main" id="{5BB475E6-24D4-CEE3-4E8D-613097D580A4}"/>
               </a:ext>
             </a:extLst>
           </p:cNvPr>
@@ -11725,14 +11269,19 @@
             <p:ph type="title"/>
           </p:nvPr>
         </p:nvSpPr>
-        <p:spPr/>
+        <p:spPr>
+          <a:xfrm>
+            <a:off x="1097279" y="286603"/>
+            <a:ext cx="10058401" cy="1450757"/>
+          </a:xfrm>
+        </p:spPr>
         <p:txBody>
           <a:bodyPr/>
           <a:lstStyle/>
           <a:p>
             <a:r>
               <a:rPr lang="es-ES" dirty="0"/>
-              <a:t>Instrumentos de relevamiento</a:t>
+              <a:t>Variables principales de la actividad económica</a:t>
             </a:r>
             <a:endParaRPr lang="es-AR" dirty="0"/>
           </a:p>
@@ -11740,14 +11289,14 @@
       </p:sp>
       <p:sp>
         <p:nvSpPr>
-          <p:cNvPr id="4" name="Marcador de contenido 3">
+          <p:cNvPr id="3" name="Marcador de contenido 2">
             <a:extLst>
               <a:ext uri="{FF2B5EF4-FFF2-40B4-BE49-F238E27FC236}">
-                <a16:creationId xmlns:a16="http://schemas.microsoft.com/office/drawing/2014/main" id="{470D18F7-69BE-77F8-9363-574AA4485AA9}"/>
+                <a16:creationId xmlns:a16="http://schemas.microsoft.com/office/drawing/2014/main" id="{D92D1D91-DD80-A4E1-6D32-E3132BE89413}"/>
               </a:ext>
             </a:extLst>
           </p:cNvPr>
-          <p:cNvSpPr txBox="1">
+          <p:cNvSpPr>
             <a:spLocks noGrp="1"/>
           </p:cNvSpPr>
           <p:nvPr>
@@ -11756,93 +11305,91 @@
         </p:nvSpPr>
         <p:spPr>
           <a:xfrm>
-            <a:off x="838200" y="1825625"/>
-            <a:ext cx="10515600" cy="5532797"/>
+            <a:off x="960802" y="1995859"/>
+            <a:ext cx="10058400" cy="4023360"/>
           </a:xfrm>
-          <a:prstGeom prst="rect">
-            <a:avLst/>
-          </a:prstGeom>
-          <a:noFill/>
         </p:spPr>
         <p:txBody>
-          <a:bodyPr wrap="square" rtlCol="0">
-            <a:spAutoFit/>
-          </a:bodyPr>
+          <a:bodyPr/>
           <a:lstStyle/>
           <a:p>
+            <a:endParaRPr lang="es-ES" b="1" dirty="0"/>
+          </a:p>
+          <a:p>
+            <a:r>
+              <a:rPr lang="es-ES" b="1" dirty="0"/>
+              <a:t>Condición de Actividad </a:t>
+            </a:r>
+            <a:r>
+              <a:rPr lang="es-ES" dirty="0"/>
+              <a:t>(Ocupado, Desocupado, Inactivos, Menores)</a:t>
+            </a:r>
+          </a:p>
+          <a:p>
+            <a:endParaRPr lang="es-ES" b="1" dirty="0"/>
+          </a:p>
+          <a:p>
+            <a:r>
+              <a:rPr lang="es-ES" b="1" dirty="0"/>
+              <a:t>Categoría Ocupacional </a:t>
+            </a:r>
+            <a:r>
+              <a:rPr lang="es-ES" dirty="0"/>
+              <a:t>(Patrón, Cuentapropista, Asalariado, Trabajador </a:t>
+            </a:r>
+            <a:r>
+              <a:rPr lang="es-ES" dirty="0" err="1"/>
+              <a:t>fliar</a:t>
+            </a:r>
+            <a:r>
+              <a:rPr lang="es-ES" dirty="0"/>
+              <a:t> sin remuneración)</a:t>
+            </a:r>
+          </a:p>
+          <a:p>
+            <a:endParaRPr lang="es-ES" b="1" dirty="0"/>
+          </a:p>
+          <a:p>
+            <a:r>
+              <a:rPr lang="es-AR" b="1" dirty="0"/>
+              <a:t>Clasificador Nacional de Ocupaciones</a:t>
+            </a:r>
             <a:r>
               <a:rPr lang="es-AR" dirty="0"/>
-              <a:t>Cuestionario de la vivienda y hogar </a:t>
+              <a:t>: Carácter, Jerarquía, Tecnología y Calificación: </a:t>
             </a:r>
             <a:r>
               <a:rPr lang="es-AR" dirty="0">
                 <a:hlinkClick r:id="rId2"/>
               </a:rPr>
-              <a:t>- Link</a:t>
+              <a:t>CNO</a:t>
             </a:r>
             <a:endParaRPr lang="es-AR" dirty="0"/>
           </a:p>
           <a:p>
-            <a:pPr lvl="1"/>
+            <a:endParaRPr lang="es-AR" b="1" dirty="0"/>
+          </a:p>
+          <a:p>
+            <a:r>
+              <a:rPr lang="es-AR" b="1" dirty="0"/>
+              <a:t>Clasificador de rama de actividad</a:t>
+            </a:r>
             <a:r>
               <a:rPr lang="es-AR" dirty="0"/>
-              <a:t>Evalúa residencia, recopila información demográfica, determina el jefe del hogar y organiza relaciones de parentesco.</a:t>
-            </a:r>
-          </a:p>
-          <a:p>
-            <a:pPr lvl="1"/>
-            <a:r>
-              <a:rPr lang="es-AR" dirty="0"/>
-              <a:t>Evalúa estrategias del hogar</a:t>
-            </a:r>
-          </a:p>
-          <a:p>
-            <a:pPr lvl="1"/>
-            <a:endParaRPr lang="es-AR" dirty="0"/>
-          </a:p>
-          <a:p>
-            <a:r>
-              <a:rPr lang="es-AR" dirty="0"/>
-              <a:t>Cuestionario individual</a:t>
-            </a:r>
-          </a:p>
-          <a:p>
-            <a:pPr lvl="1"/>
-            <a:r>
-              <a:rPr lang="es-AR" dirty="0"/>
-              <a:t>Caracterización individual – trabajo </a:t>
+              <a:t>: </a:t>
             </a:r>
             <a:r>
               <a:rPr lang="es-AR" dirty="0">
                 <a:hlinkClick r:id="rId3"/>
               </a:rPr>
-              <a:t>- LINK</a:t>
+              <a:t>CAES</a:t>
             </a:r>
             <a:endParaRPr lang="es-AR" dirty="0"/>
           </a:p>
           <a:p>
-            <a:endParaRPr lang="es-AR" dirty="0"/>
-          </a:p>
-          <a:p>
-            <a:r>
-              <a:rPr lang="es-AR" dirty="0"/>
-              <a:t>Módulos especiales</a:t>
-            </a:r>
-          </a:p>
-          <a:p>
-            <a:pPr lvl="1"/>
-            <a:endParaRPr lang="es-AR" dirty="0"/>
-          </a:p>
-          <a:p>
-            <a:pPr lvl="1"/>
-            <a:endParaRPr lang="es-AR" dirty="0"/>
-          </a:p>
-          <a:p>
-            <a:pPr lvl="1"/>
-            <a:endParaRPr lang="es-AR" dirty="0"/>
-          </a:p>
-          <a:p>
-            <a:pPr lvl="1"/>
+            <a:endParaRPr lang="es-ES" b="1" dirty="0"/>
+          </a:p>
+          <a:p>
             <a:endParaRPr lang="es-AR" dirty="0"/>
           </a:p>
         </p:txBody>
@@ -11850,7 +11397,7 @@
     </p:spTree>
     <p:extLst>
       <p:ext uri="{BB962C8B-B14F-4D97-AF65-F5344CB8AC3E}">
-        <p14:creationId xmlns:p14="http://schemas.microsoft.com/office/powerpoint/2010/main" val="971381042"/>
+        <p14:creationId xmlns:p14="http://schemas.microsoft.com/office/powerpoint/2010/main" val="2941479760"/>
       </p:ext>
     </p:extLst>
   </p:cSld>
@@ -12459,6 +12006,23 @@
 </file>
 
 <file path=customXml/item1.xml><?xml version="1.0" encoding="utf-8"?>
+<p:properties xmlns:p="http://schemas.microsoft.com/office/2006/metadata/properties" xmlns:xsi="http://www.w3.org/2001/XMLSchema-instance" xmlns:pc="http://schemas.microsoft.com/office/infopath/2007/PartnerControls">
+  <documentManagement>
+    <_activity xmlns="73ecfec2-fe59-4214-9cad-f553ff4d189b" xsi:nil="true"/>
+  </documentManagement>
+</p:properties>
+</file>
+
+<file path=customXml/item2.xml><?xml version="1.0" encoding="utf-8"?>
+<?mso-contentType ?>
+<FormTemplates xmlns="http://schemas.microsoft.com/sharepoint/v3/contenttype/forms">
+  <Display>DocumentLibraryForm</Display>
+  <Edit>DocumentLibraryForm</Edit>
+  <New>DocumentLibraryForm</New>
+</FormTemplates>
+</file>
+
+<file path=customXml/item3.xml><?xml version="1.0" encoding="utf-8"?>
 <ct:contentTypeSchema xmlns:ct="http://schemas.microsoft.com/office/2006/metadata/contentType" xmlns:ma="http://schemas.microsoft.com/office/2006/metadata/properties/metaAttributes" ct:_="" ma:_="" ma:contentTypeName="Documento" ma:contentTypeID="0x01010080D21864205D464881362D3F3BC2AEBE" ma:contentTypeVersion="5" ma:contentTypeDescription="Crear nuevo documento." ma:contentTypeScope="" ma:versionID="08e17d821ccfc5ce20a946ff6f2879f5">
   <xsd:schema xmlns:xsd="http://www.w3.org/2001/XMLSchema" xmlns:xs="http://www.w3.org/2001/XMLSchema" xmlns:p="http://schemas.microsoft.com/office/2006/metadata/properties" xmlns:ns3="73ecfec2-fe59-4214-9cad-f553ff4d189b" targetNamespace="http://schemas.microsoft.com/office/2006/metadata/properties" ma:root="true" ma:fieldsID="41d71762f2db77a158e6721cf506a496" ns3:_="">
     <xsd:import namespace="73ecfec2-fe59-4214-9cad-f553ff4d189b"/>
@@ -12608,24 +12172,31 @@
 </ct:contentTypeSchema>
 </file>
 
-<file path=customXml/item2.xml><?xml version="1.0" encoding="utf-8"?>
-<p:properties xmlns:p="http://schemas.microsoft.com/office/2006/metadata/properties" xmlns:xsi="http://www.w3.org/2001/XMLSchema-instance" xmlns:pc="http://schemas.microsoft.com/office/infopath/2007/PartnerControls">
-  <documentManagement>
-    <_activity xmlns="73ecfec2-fe59-4214-9cad-f553ff4d189b" xsi:nil="true"/>
-  </documentManagement>
-</p:properties>
+<file path=customXml/itemProps1.xml><?xml version="1.0" encoding="utf-8"?>
+<ds:datastoreItem xmlns:ds="http://schemas.openxmlformats.org/officeDocument/2006/customXml" ds:itemID="{A0607A6D-E8B8-4AA3-9E0C-8E15E1BEA06E}">
+  <ds:schemaRefs>
+    <ds:schemaRef ds:uri="http://purl.org/dc/terms/"/>
+    <ds:schemaRef ds:uri="http://schemas.microsoft.com/office/2006/documentManagement/types"/>
+    <ds:schemaRef ds:uri="http://schemas.openxmlformats.org/package/2006/metadata/core-properties"/>
+    <ds:schemaRef ds:uri="http://schemas.microsoft.com/office/2006/metadata/properties"/>
+    <ds:schemaRef ds:uri="http://purl.org/dc/elements/1.1/"/>
+    <ds:schemaRef ds:uri="http://www.w3.org/XML/1998/namespace"/>
+    <ds:schemaRef ds:uri="http://schemas.microsoft.com/office/infopath/2007/PartnerControls"/>
+    <ds:schemaRef ds:uri="73ecfec2-fe59-4214-9cad-f553ff4d189b"/>
+    <ds:schemaRef ds:uri="http://purl.org/dc/dcmitype/"/>
+  </ds:schemaRefs>
+</ds:datastoreItem>
 </file>
 
-<file path=customXml/item3.xml><?xml version="1.0" encoding="utf-8"?>
-<?mso-contentType ?>
-<FormTemplates xmlns="http://schemas.microsoft.com/sharepoint/v3/contenttype/forms">
-  <Display>DocumentLibraryForm</Display>
-  <Edit>DocumentLibraryForm</Edit>
-  <New>DocumentLibraryForm</New>
-</FormTemplates>
+<file path=customXml/itemProps2.xml><?xml version="1.0" encoding="utf-8"?>
+<ds:datastoreItem xmlns:ds="http://schemas.openxmlformats.org/officeDocument/2006/customXml" ds:itemID="{75669B48-8959-4D7D-9AAA-BC16556B4A29}">
+  <ds:schemaRefs>
+    <ds:schemaRef ds:uri="http://schemas.microsoft.com/sharepoint/v3/contenttype/forms"/>
+  </ds:schemaRefs>
+</ds:datastoreItem>
 </file>
 
-<file path=customXml/itemProps1.xml><?xml version="1.0" encoding="utf-8"?>
+<file path=customXml/itemProps3.xml><?xml version="1.0" encoding="utf-8"?>
 <ds:datastoreItem xmlns:ds="http://schemas.openxmlformats.org/officeDocument/2006/customXml" ds:itemID="{B02BF800-A5EC-4FB2-9C8D-CAE2B81D8FE9}">
   <ds:schemaRefs>
     <ds:schemaRef ds:uri="http://schemas.microsoft.com/office/2006/metadata/contentType"/>
@@ -12641,28 +12212,4 @@
     <ds:schemaRef ds:uri="http://schemas.microsoft.com/internal/obd"/>
   </ds:schemaRefs>
 </ds:datastoreItem>
-</file>
-
-<file path=customXml/itemProps2.xml><?xml version="1.0" encoding="utf-8"?>
-<ds:datastoreItem xmlns:ds="http://schemas.openxmlformats.org/officeDocument/2006/customXml" ds:itemID="{A0607A6D-E8B8-4AA3-9E0C-8E15E1BEA06E}">
-  <ds:schemaRefs>
-    <ds:schemaRef ds:uri="http://purl.org/dc/terms/"/>
-    <ds:schemaRef ds:uri="http://schemas.microsoft.com/office/2006/documentManagement/types"/>
-    <ds:schemaRef ds:uri="http://schemas.openxmlformats.org/package/2006/metadata/core-properties"/>
-    <ds:schemaRef ds:uri="http://schemas.microsoft.com/office/2006/metadata/properties"/>
-    <ds:schemaRef ds:uri="http://purl.org/dc/elements/1.1/"/>
-    <ds:schemaRef ds:uri="http://www.w3.org/XML/1998/namespace"/>
-    <ds:schemaRef ds:uri="http://schemas.microsoft.com/office/infopath/2007/PartnerControls"/>
-    <ds:schemaRef ds:uri="73ecfec2-fe59-4214-9cad-f553ff4d189b"/>
-    <ds:schemaRef ds:uri="http://purl.org/dc/dcmitype/"/>
-  </ds:schemaRefs>
-</ds:datastoreItem>
-</file>
-
-<file path=customXml/itemProps3.xml><?xml version="1.0" encoding="utf-8"?>
-<ds:datastoreItem xmlns:ds="http://schemas.openxmlformats.org/officeDocument/2006/customXml" ds:itemID="{75669B48-8959-4D7D-9AAA-BC16556B4A29}">
-  <ds:schemaRefs>
-    <ds:schemaRef ds:uri="http://schemas.microsoft.com/sharepoint/v3/contenttype/forms"/>
-  </ds:schemaRefs>
-</ds:datastoreItem>
 </file>